--- a/spring12/slidesS12/hall-proof.pptx
+++ b/spring12/slidesS12/hall-proof.pptx
@@ -3436,7 +3436,6 @@
               <a:rPr lang="en-US" sz="9600" b="1" dirty="0" smtClean="0"/>
               <a:t>Theorem</a:t>
             </a:r>
-            <a:endParaRPr lang="en-US" sz="9600" b="1" dirty="0" smtClean="0"/>
           </a:p>
         </p:txBody>
       </p:sp>
@@ -3580,11 +3579,11 @@
   <p:clrMapOvr>
     <a:masterClrMapping/>
   </p:clrMapOvr>
-  <mc:AlternateContent xmlns:mc="http://schemas.openxmlformats.org/markup-compatibility/2006">
-    <mc:Choice xmlns:p14="http://schemas.microsoft.com/office/powerpoint/2010/main" Requires="p14">
+  <mc:AlternateContent xmlns:mc="http://schemas.openxmlformats.org/markup-compatibility/2006" xmlns:p14="http://schemas.microsoft.com/office/powerpoint/2010/main">
+    <mc:Choice Requires="p14">
       <p:transition p14:dur="0"/>
     </mc:Choice>
-    <mc:Fallback>
+    <mc:Fallback xmlns="">
       <p:transition xmlns:p14="http://schemas.microsoft.com/office/powerpoint/2010/main"/>
     </mc:Fallback>
   </mc:AlternateContent>
@@ -3663,18 +3662,7 @@
               <a:rPr lang="en-US" sz="4800" dirty="0">
                 <a:latin typeface="Comic Sans MS" pitchFamily="8" charset="0"/>
               </a:rPr>
-              <a:t>proper subset S of girls with</a:t>
-            </a:r>
-          </a:p>
-          <a:p>
-            <a:pPr>
-              <a:buNone/>
-            </a:pPr>
-            <a:r>
-              <a:rPr lang="en-US" sz="4800" dirty="0">
-                <a:latin typeface="Comic Sans MS" pitchFamily="8" charset="0"/>
-              </a:rPr>
-              <a:t>             |</a:t>
+              <a:t>proper subset </a:t>
             </a:r>
             <a:r>
               <a:rPr lang="en-US" sz="4800" dirty="0">
@@ -3689,6 +3677,32 @@
               <a:rPr lang="en-US" sz="4800" dirty="0">
                 <a:latin typeface="Comic Sans MS" pitchFamily="8" charset="0"/>
               </a:rPr>
+              <a:t> of girls with</a:t>
+            </a:r>
+          </a:p>
+          <a:p>
+            <a:pPr>
+              <a:buNone/>
+            </a:pPr>
+            <a:r>
+              <a:rPr lang="en-US" sz="4800" dirty="0">
+                <a:latin typeface="Comic Sans MS" pitchFamily="8" charset="0"/>
+              </a:rPr>
+              <a:t>             |</a:t>
+            </a:r>
+            <a:r>
+              <a:rPr lang="en-US" sz="4800" dirty="0">
+                <a:solidFill>
+                  <a:srgbClr val="0033CC"/>
+                </a:solidFill>
+                <a:latin typeface="Comic Sans MS" pitchFamily="8" charset="0"/>
+              </a:rPr>
+              <a:t>S</a:t>
+            </a:r>
+            <a:r>
+              <a:rPr lang="en-US" sz="4800" dirty="0">
+                <a:latin typeface="Comic Sans MS" pitchFamily="8" charset="0"/>
+              </a:rPr>
               <a:t>|</a:t>
             </a:r>
             <a:r>
@@ -3701,10 +3715,10 @@
               <a:t>=</a:t>
             </a:r>
             <a:r>
-              <a:rPr lang="en-US" sz="4800" dirty="0">
-                <a:latin typeface="Comic Sans MS" pitchFamily="8" charset="0"/>
-              </a:rPr>
-              <a:t>|N(</a:t>
+              <a:rPr lang="en-US" sz="4800" dirty="0" smtClean="0">
+                <a:latin typeface="Comic Sans MS" pitchFamily="8" charset="0"/>
+              </a:rPr>
+              <a:t>|E(</a:t>
             </a:r>
             <a:r>
               <a:rPr lang="en-US" sz="4800" dirty="0">
@@ -3771,7 +3785,13 @@
               <a:rPr lang="en-US" sz="4800" dirty="0">
                 <a:latin typeface="Comic Sans MS" pitchFamily="8" charset="0"/>
               </a:rPr>
-              <a:t>, N(</a:t>
+              <a:t>, </a:t>
+            </a:r>
+            <a:r>
+              <a:rPr lang="en-US" sz="4800" dirty="0" smtClean="0">
+                <a:latin typeface="Comic Sans MS" pitchFamily="8" charset="0"/>
+              </a:rPr>
+              <a:t>E(</a:t>
             </a:r>
             <a:r>
               <a:rPr lang="en-US" sz="4800" dirty="0">
@@ -3817,25 +3837,25 @@
           <p:nvPr>
             <p:extLst>
               <p:ext uri="{D42A27DB-BD31-4B8C-83A1-F6EECF244321}">
-                <p14:modId xmlns:p14="http://schemas.microsoft.com/office/powerpoint/2010/main" val="4288721134"/>
+                <p14:modId xmlns:p14="http://schemas.microsoft.com/office/powerpoint/2010/main" val="2902859266"/>
               </p:ext>
             </p:extLst>
           </p:nvPr>
         </p:nvGraphicFramePr>
         <p:xfrm>
-          <a:off x="4869004" y="5486674"/>
-          <a:ext cx="2948784" cy="967620"/>
+          <a:off x="4897438" y="5461000"/>
+          <a:ext cx="2892425" cy="1019175"/>
         </p:xfrm>
         <a:graphic>
           <a:graphicData uri="http://schemas.openxmlformats.org/presentationml/2006/ole">
             <mc:AlternateContent xmlns:mc="http://schemas.openxmlformats.org/markup-compatibility/2006">
               <mc:Choice xmlns:v="urn:schemas-microsoft-com:vml" Requires="v">
-                <p:oleObj spid="_x0000_s6154" name="Equation" r:id="rId4" imgW="647640" imgH="241200" progId="Equation.DSMT4">
+                <p:oleObj spid="_x0000_s6163" name="Equation" r:id="rId4" imgW="635000" imgH="254000" progId="Equation.DSMT4">
                   <p:embed/>
                 </p:oleObj>
               </mc:Choice>
               <mc:Fallback>
-                <p:oleObj name="Equation" r:id="rId4" imgW="647640" imgH="241200" progId="Equation.DSMT4">
+                <p:oleObj name="Equation" r:id="rId4" imgW="635000" imgH="254000" progId="Equation.DSMT4">
                   <p:embed/>
                   <p:pic>
                     <p:nvPicPr>
@@ -3846,13 +3866,7 @@
                       <p:nvPr/>
                     </p:nvPicPr>
                     <p:blipFill>
-                      <a:blip r:embed="rId5">
-                        <a:extLst>
-                          <a:ext uri="{28A0092B-C50C-407E-A947-70E740481C1C}">
-                            <a14:useLocalDpi xmlns:a14="http://schemas.microsoft.com/office/drawing/2010/main" val="0"/>
-                          </a:ext>
-                        </a:extLst>
-                      </a:blip>
+                      <a:blip r:embed="rId5"/>
                       <a:srcRect/>
                       <a:stretch>
                         <a:fillRect/>
@@ -3860,8 +3874,8 @@
                     </p:blipFill>
                     <p:spPr bwMode="auto">
                       <a:xfrm>
-                        <a:off x="4869004" y="5486674"/>
-                        <a:ext cx="2948784" cy="967620"/>
+                        <a:off x="4897438" y="5461000"/>
+                        <a:ext cx="2892425" cy="1019175"/>
                       </a:xfrm>
                       <a:prstGeom prst="rect">
                         <a:avLst/>
@@ -3939,11 +3953,7 @@
           <a:p>
             <a:r>
               <a:rPr lang="en-US" sz="3600" dirty="0" smtClean="0"/>
-              <a:t>Proof of Hall’s </a:t>
-            </a:r>
-            <a:r>
-              <a:rPr lang="en-US" sz="3600" dirty="0" smtClean="0"/>
-              <a:t>Theorem</a:t>
+              <a:t>Proof of Hall’s Theorem</a:t>
             </a:r>
           </a:p>
         </p:txBody>
@@ -3982,7 +3992,7 @@
                             </p:stCondLst>
                             <p:childTnLst>
                               <p:par>
-                                <p:cTn id="5" presetID="1" presetClass="entr" presetSubtype="0" fill="hold" nodeType="clickEffect">
+                                <p:cTn id="5" presetID="9" presetClass="entr" presetSubtype="0" fill="hold" grpId="0" nodeType="clickEffect">
                                   <p:stCondLst>
                                     <p:cond delay="0"/>
                                   </p:stCondLst>
@@ -4009,18 +4019,30 @@
                                         <p:strVal val="visible"/>
                                       </p:to>
                                     </p:set>
+                                    <p:animEffect transition="in" filter="dissolve">
+                                      <p:cBhvr>
+                                        <p:cTn id="7" dur="500"/>
+                                        <p:tgtEl>
+                                          <p:spTgt spid="279555">
+                                            <p:txEl>
+                                              <p:pRg st="3" end="3"/>
+                                            </p:txEl>
+                                          </p:spTgt>
+                                        </p:tgtEl>
+                                      </p:cBhvr>
+                                    </p:animEffect>
                                   </p:childTnLst>
                                 </p:cTn>
                               </p:par>
                               <p:par>
-                                <p:cTn id="7" presetID="1" presetClass="entr" presetSubtype="0" fill="hold" nodeType="withEffect">
+                                <p:cTn id="8" presetID="9" presetClass="entr" presetSubtype="0" fill="hold" grpId="0" nodeType="withEffect">
                                   <p:stCondLst>
                                     <p:cond delay="0"/>
                                   </p:stCondLst>
                                   <p:childTnLst>
                                     <p:set>
                                       <p:cBhvr>
-                                        <p:cTn id="8" dur="1" fill="hold">
+                                        <p:cTn id="9" dur="1" fill="hold">
                                           <p:stCondLst>
                                             <p:cond delay="0"/>
                                           </p:stCondLst>
@@ -4040,6 +4062,18 @@
                                         <p:strVal val="visible"/>
                                       </p:to>
                                     </p:set>
+                                    <p:animEffect transition="in" filter="dissolve">
+                                      <p:cBhvr>
+                                        <p:cTn id="10" dur="500"/>
+                                        <p:tgtEl>
+                                          <p:spTgt spid="279555">
+                                            <p:txEl>
+                                              <p:pRg st="4" end="4"/>
+                                            </p:txEl>
+                                          </p:spTgt>
+                                        </p:tgtEl>
+                                      </p:cBhvr>
+                                    </p:animEffect>
                                   </p:childTnLst>
                                 </p:cTn>
                               </p:par>
@@ -4050,26 +4084,26 @@
                     </p:cTn>
                   </p:par>
                   <p:par>
-                    <p:cTn id="9" fill="hold">
+                    <p:cTn id="11" fill="hold">
                       <p:stCondLst>
                         <p:cond delay="indefinite"/>
                       </p:stCondLst>
                       <p:childTnLst>
                         <p:par>
-                          <p:cTn id="10" fill="hold">
+                          <p:cTn id="12" fill="hold">
                             <p:stCondLst>
                               <p:cond delay="0"/>
                             </p:stCondLst>
                             <p:childTnLst>
                               <p:par>
-                                <p:cTn id="11" presetID="1" presetClass="entr" presetSubtype="0" fill="hold" nodeType="clickEffect">
+                                <p:cTn id="13" presetID="9" presetClass="entr" presetSubtype="0" fill="hold" grpId="0" nodeType="clickEffect">
                                   <p:stCondLst>
                                     <p:cond delay="0"/>
                                   </p:stCondLst>
                                   <p:childTnLst>
                                     <p:set>
                                       <p:cBhvr>
-                                        <p:cTn id="12" dur="1" fill="hold">
+                                        <p:cTn id="14" dur="1" fill="hold">
                                           <p:stCondLst>
                                             <p:cond delay="0"/>
                                           </p:stCondLst>
@@ -4089,18 +4123,39 @@
                                         <p:strVal val="visible"/>
                                       </p:to>
                                     </p:set>
+                                    <p:animEffect transition="in" filter="dissolve">
+                                      <p:cBhvr>
+                                        <p:cTn id="15" dur="1000"/>
+                                        <p:tgtEl>
+                                          <p:spTgt spid="279555">
+                                            <p:txEl>
+                                              <p:pRg st="5" end="5"/>
+                                            </p:txEl>
+                                          </p:spTgt>
+                                        </p:tgtEl>
+                                      </p:cBhvr>
+                                    </p:animEffect>
                                   </p:childTnLst>
                                 </p:cTn>
                               </p:par>
+                            </p:childTnLst>
+                          </p:cTn>
+                        </p:par>
+                        <p:par>
+                          <p:cTn id="16" fill="hold">
+                            <p:stCondLst>
+                              <p:cond delay="1000"/>
+                            </p:stCondLst>
+                            <p:childTnLst>
                               <p:par>
-                                <p:cTn id="13" presetID="1" presetClass="entr" presetSubtype="0" fill="hold" nodeType="withEffect">
+                                <p:cTn id="17" presetID="9" presetClass="entr" presetSubtype="0" fill="hold" nodeType="afterEffect">
                                   <p:stCondLst>
                                     <p:cond delay="0"/>
                                   </p:stCondLst>
                                   <p:childTnLst>
                                     <p:set>
                                       <p:cBhvr>
-                                        <p:cTn id="14" dur="1" fill="hold">
+                                        <p:cTn id="18" dur="1" fill="hold">
                                           <p:stCondLst>
                                             <p:cond delay="0"/>
                                           </p:stCondLst>
@@ -4116,6 +4171,14 @@
                                         <p:strVal val="visible"/>
                                       </p:to>
                                     </p:set>
+                                    <p:animEffect transition="in" filter="dissolve">
+                                      <p:cBhvr>
+                                        <p:cTn id="19" dur="500"/>
+                                        <p:tgtEl>
+                                          <p:spTgt spid="279556"/>
+                                        </p:tgtEl>
+                                      </p:cBhvr>
+                                    </p:animEffect>
                                   </p:childTnLst>
                                 </p:cTn>
                               </p:par>
@@ -4146,6 +4209,9 @@
         </p:cTn>
       </p:par>
     </p:tnLst>
+    <p:bldLst>
+      <p:bldP spid="279555" grpId="0" build="allAtOnce"/>
+    </p:bldLst>
   </p:timing>
 </p:sld>
 </file>
@@ -4230,7 +4296,13 @@
               <a:rPr lang="en-US" sz="6000" dirty="0">
                 <a:latin typeface="Comic Sans MS" pitchFamily="8" charset="0"/>
               </a:rPr>
-              <a:t>, N(</a:t>
+              <a:t>, </a:t>
+            </a:r>
+            <a:r>
+              <a:rPr lang="en-US" sz="6000" dirty="0" smtClean="0">
+                <a:latin typeface="Comic Sans MS" pitchFamily="8" charset="0"/>
+              </a:rPr>
+              <a:t>E(</a:t>
             </a:r>
             <a:r>
               <a:rPr lang="en-US" sz="6000" dirty="0">
@@ -4275,22 +4347,28 @@
           <p:cNvGraphicFramePr>
             <a:graphicFrameLocks noChangeAspect="1"/>
           </p:cNvGraphicFramePr>
-          <p:nvPr/>
+          <p:nvPr>
+            <p:extLst>
+              <p:ext uri="{D42A27DB-BD31-4B8C-83A1-F6EECF244321}">
+                <p14:modId xmlns:p14="http://schemas.microsoft.com/office/powerpoint/2010/main" val="4232743551"/>
+              </p:ext>
+            </p:extLst>
+          </p:nvPr>
         </p:nvGraphicFramePr>
         <p:xfrm>
-          <a:off x="3220505" y="3386613"/>
-          <a:ext cx="3499912" cy="1161575"/>
+          <a:off x="3255963" y="3355975"/>
+          <a:ext cx="3429000" cy="1223963"/>
         </p:xfrm>
         <a:graphic>
           <a:graphicData uri="http://schemas.openxmlformats.org/presentationml/2006/ole">
             <mc:AlternateContent xmlns:mc="http://schemas.openxmlformats.org/markup-compatibility/2006">
               <mc:Choice xmlns:v="urn:schemas-microsoft-com:vml" Requires="v">
-                <p:oleObj spid="_x0000_s7177" name="Equation" r:id="rId4" imgW="647640" imgH="241200" progId="Equation.DSMT4">
+                <p:oleObj spid="_x0000_s7184" name="Equation" r:id="rId4" imgW="635000" imgH="254000" progId="Equation.DSMT4">
                   <p:embed/>
                 </p:oleObj>
               </mc:Choice>
               <mc:Fallback>
-                <p:oleObj name="Equation" r:id="rId4" imgW="647640" imgH="241200" progId="Equation.DSMT4">
+                <p:oleObj name="Equation" r:id="rId4" imgW="635000" imgH="254000" progId="Equation.DSMT4">
                   <p:embed/>
                   <p:pic>
                     <p:nvPicPr>
@@ -4301,13 +4379,7 @@
                       <p:nvPr/>
                     </p:nvPicPr>
                     <p:blipFill>
-                      <a:blip r:embed="rId5">
-                        <a:extLst>
-                          <a:ext uri="{28A0092B-C50C-407E-A947-70E740481C1C}">
-                            <a14:useLocalDpi xmlns:a14="http://schemas.microsoft.com/office/drawing/2010/main" val="0"/>
-                          </a:ext>
-                        </a:extLst>
-                      </a:blip>
+                      <a:blip r:embed="rId5"/>
                       <a:srcRect/>
                       <a:stretch>
                         <a:fillRect/>
@@ -4315,8 +4387,8 @@
                     </p:blipFill>
                     <p:spPr bwMode="auto">
                       <a:xfrm>
-                        <a:off x="3220505" y="3386613"/>
-                        <a:ext cx="3499912" cy="1161575"/>
+                        <a:off x="3255963" y="3355975"/>
+                        <a:ext cx="3429000" cy="1223963"/>
                       </a:xfrm>
                       <a:prstGeom prst="rect">
                         <a:avLst/>
@@ -4403,11 +4475,7 @@
           <a:p>
             <a:r>
               <a:rPr lang="en-US" sz="3600" dirty="0" smtClean="0"/>
-              <a:t>Proof of Hall’s </a:t>
-            </a:r>
-            <a:r>
-              <a:rPr lang="en-US" sz="3600" dirty="0" smtClean="0"/>
-              <a:t>Theorem</a:t>
+              <a:t>Proof of Hall’s Theorem</a:t>
             </a:r>
           </a:p>
         </p:txBody>
@@ -4527,7 +4595,13 @@
               <a:rPr lang="en-US" sz="4800" dirty="0">
                 <a:latin typeface="Comic Sans MS" pitchFamily="8" charset="0"/>
               </a:rPr>
-              <a:t>N(</a:t>
+              <a:t>E</a:t>
+            </a:r>
+            <a:r>
+              <a:rPr lang="en-US" sz="4800" dirty="0" smtClean="0">
+                <a:latin typeface="Comic Sans MS" pitchFamily="8" charset="0"/>
+              </a:rPr>
+              <a:t>(</a:t>
             </a:r>
             <a:r>
               <a:rPr lang="en-US" sz="4800" dirty="0">
@@ -4697,7 +4771,7 @@
                             </p:stCondLst>
                             <p:childTnLst>
                               <p:par>
-                                <p:cTn id="5" presetID="1" presetClass="entr" presetSubtype="0" fill="hold" nodeType="clickEffect">
+                                <p:cTn id="5" presetID="9" presetClass="entr" presetSubtype="0" fill="hold" nodeType="clickEffect">
                                   <p:stCondLst>
                                     <p:cond delay="0"/>
                                   </p:stCondLst>
@@ -4724,6 +4798,18 @@
                                         <p:strVal val="visible"/>
                                       </p:to>
                                     </p:set>
+                                    <p:animEffect transition="in" filter="dissolve">
+                                      <p:cBhvr>
+                                        <p:cTn id="7" dur="500"/>
+                                        <p:tgtEl>
+                                          <p:spTgt spid="283651">
+                                            <p:txEl>
+                                              <p:pRg st="1" end="1"/>
+                                            </p:txEl>
+                                          </p:spTgt>
+                                        </p:tgtEl>
+                                      </p:cBhvr>
+                                    </p:animEffect>
                                   </p:childTnLst>
                                 </p:cTn>
                               </p:par>
@@ -4734,26 +4820,26 @@
                     </p:cTn>
                   </p:par>
                   <p:par>
-                    <p:cTn id="7" fill="hold">
+                    <p:cTn id="8" fill="hold">
                       <p:stCondLst>
                         <p:cond delay="indefinite"/>
                       </p:stCondLst>
                       <p:childTnLst>
                         <p:par>
-                          <p:cTn id="8" fill="hold">
+                          <p:cTn id="9" fill="hold">
                             <p:stCondLst>
                               <p:cond delay="0"/>
                             </p:stCondLst>
                             <p:childTnLst>
                               <p:par>
-                                <p:cTn id="9" presetID="9" presetClass="entr" presetSubtype="0" fill="hold" nodeType="clickEffect">
+                                <p:cTn id="10" presetID="9" presetClass="entr" presetSubtype="0" fill="hold" nodeType="clickEffect">
                                   <p:stCondLst>
                                     <p:cond delay="0"/>
                                   </p:stCondLst>
                                   <p:childTnLst>
                                     <p:set>
                                       <p:cBhvr>
-                                        <p:cTn id="10" dur="1" fill="hold">
+                                        <p:cTn id="11" dur="1" fill="hold">
                                           <p:stCondLst>
                                             <p:cond delay="0"/>
                                           </p:stCondLst>
@@ -4775,7 +4861,7 @@
                                     </p:set>
                                     <p:animEffect transition="in" filter="dissolve">
                                       <p:cBhvr>
-                                        <p:cTn id="11" dur="500"/>
+                                        <p:cTn id="12" dur="500"/>
                                         <p:tgtEl>
                                           <p:spTgt spid="283651">
                                             <p:txEl>
@@ -4788,15 +4874,33 @@
                                   </p:childTnLst>
                                 </p:cTn>
                               </p:par>
+                            </p:childTnLst>
+                          </p:cTn>
+                        </p:par>
+                      </p:childTnLst>
+                    </p:cTn>
+                  </p:par>
+                  <p:par>
+                    <p:cTn id="13" fill="hold">
+                      <p:stCondLst>
+                        <p:cond delay="indefinite"/>
+                      </p:stCondLst>
+                      <p:childTnLst>
+                        <p:par>
+                          <p:cTn id="14" fill="hold">
+                            <p:stCondLst>
+                              <p:cond delay="0"/>
+                            </p:stCondLst>
+                            <p:childTnLst>
                               <p:par>
-                                <p:cTn id="12" presetID="1" presetClass="entr" presetSubtype="0" fill="hold" nodeType="withEffect">
+                                <p:cTn id="15" presetID="9" presetClass="entr" presetSubtype="0" fill="hold" nodeType="clickEffect">
                                   <p:stCondLst>
                                     <p:cond delay="0"/>
                                   </p:stCondLst>
                                   <p:childTnLst>
                                     <p:set>
                                       <p:cBhvr>
-                                        <p:cTn id="13" dur="1" fill="hold">
+                                        <p:cTn id="16" dur="1" fill="hold">
                                           <p:stCondLst>
                                             <p:cond delay="0"/>
                                           </p:stCondLst>
@@ -4816,6 +4920,18 @@
                                         <p:strVal val="visible"/>
                                       </p:to>
                                     </p:set>
+                                    <p:animEffect transition="in" filter="dissolve">
+                                      <p:cBhvr>
+                                        <p:cTn id="17" dur="500"/>
+                                        <p:tgtEl>
+                                          <p:spTgt spid="283651">
+                                            <p:txEl>
+                                              <p:pRg st="3" end="3"/>
+                                            </p:txEl>
+                                          </p:spTgt>
+                                        </p:tgtEl>
+                                      </p:cBhvr>
+                                    </p:animEffect>
                                   </p:childTnLst>
                                 </p:cTn>
                               </p:par>
@@ -4826,26 +4942,26 @@
                     </p:cTn>
                   </p:par>
                   <p:par>
-                    <p:cTn id="14" fill="hold">
+                    <p:cTn id="18" fill="hold">
                       <p:stCondLst>
                         <p:cond delay="indefinite"/>
                       </p:stCondLst>
                       <p:childTnLst>
                         <p:par>
-                          <p:cTn id="15" fill="hold">
+                          <p:cTn id="19" fill="hold">
                             <p:stCondLst>
                               <p:cond delay="0"/>
                             </p:stCondLst>
                             <p:childTnLst>
                               <p:par>
-                                <p:cTn id="16" presetID="15" presetClass="entr" presetSubtype="0" fill="hold" nodeType="clickEffect">
+                                <p:cTn id="20" presetID="15" presetClass="entr" presetSubtype="0" fill="hold" nodeType="clickEffect">
                                   <p:stCondLst>
                                     <p:cond delay="0"/>
                                   </p:stCondLst>
                                   <p:childTnLst>
                                     <p:set>
                                       <p:cBhvr>
-                                        <p:cTn id="17" dur="1" fill="hold">
+                                        <p:cTn id="21" dur="1" fill="hold">
                                           <p:stCondLst>
                                             <p:cond delay="0"/>
                                           </p:stCondLst>
@@ -4867,7 +4983,7 @@
                                     </p:set>
                                     <p:anim calcmode="lin" valueType="num">
                                       <p:cBhvr>
-                                        <p:cTn id="18" dur="1000" fill="hold"/>
+                                        <p:cTn id="22" dur="1000" fill="hold"/>
                                         <p:tgtEl>
                                           <p:spTgt spid="283651">
                                             <p:txEl>
@@ -4894,7 +5010,7 @@
                                     </p:anim>
                                     <p:anim calcmode="lin" valueType="num">
                                       <p:cBhvr>
-                                        <p:cTn id="19" dur="1000" fill="hold"/>
+                                        <p:cTn id="23" dur="1000" fill="hold"/>
                                         <p:tgtEl>
                                           <p:spTgt spid="283651">
                                             <p:txEl>
@@ -4921,7 +5037,7 @@
                                     </p:anim>
                                     <p:anim calcmode="lin" valueType="num">
                                       <p:cBhvr>
-                                        <p:cTn id="20" dur="1000" fill="hold"/>
+                                        <p:cTn id="24" dur="1000" fill="hold"/>
                                         <p:tgtEl>
                                           <p:spTgt spid="283651">
                                             <p:txEl>
@@ -4948,7 +5064,7 @@
                                     </p:anim>
                                     <p:anim calcmode="lin" valueType="num">
                                       <p:cBhvr>
-                                        <p:cTn id="21" dur="1000" fill="hold"/>
+                                        <p:cTn id="25" dur="1000" fill="hold"/>
                                         <p:tgtEl>
                                           <p:spTgt spid="283651">
                                             <p:txEl>
@@ -5086,11 +5202,7 @@
                   </a:schemeClr>
                 </a:solidFill>
               </a:rPr>
-              <a:t>|N(S)| </a:t>
-            </a:r>
-            <a:r>
-              <a:rPr lang="en-US" sz="6000" dirty="0" smtClean="0"/>
-              <a:t>for</a:t>
+              <a:t>|E(</a:t>
             </a:r>
             <a:r>
               <a:rPr lang="en-US" sz="6000" dirty="0" smtClean="0">
@@ -5100,31 +5212,11 @@
                   </a:schemeClr>
                 </a:solidFill>
               </a:rPr>
-              <a:t> </a:t>
-            </a:r>
-            <a:r>
-              <a:rPr lang="en-US" sz="6000" dirty="0" smtClean="0">
-                <a:solidFill>
-                  <a:srgbClr val="9F009F"/>
-                </a:solidFill>
-              </a:rPr>
-              <a:t>all</a:t>
-            </a:r>
-            <a:r>
-              <a:rPr lang="en-US" sz="6000" dirty="0" smtClean="0">
-                <a:solidFill>
-                  <a:srgbClr val="660066"/>
-                </a:solidFill>
-              </a:rPr>
-              <a:t> </a:t>
+              <a:t>S)| </a:t>
             </a:r>
             <a:r>
               <a:rPr lang="en-US" sz="6000" dirty="0" smtClean="0"/>
-              <a:t>sets </a:t>
-            </a:r>
-            <a:r>
-              <a:rPr lang="en-US" sz="6000" dirty="0" smtClean="0"/>
-              <a:t>of girls,</a:t>
+              <a:t>for</a:t>
             </a:r>
             <a:r>
               <a:rPr lang="en-US" sz="6000" dirty="0" smtClean="0">
@@ -5134,13 +5226,42 @@
                   </a:schemeClr>
                 </a:solidFill>
               </a:rPr>
+              <a:t> </a:t>
+            </a:r>
+            <a:r>
+              <a:rPr lang="en-US" sz="6000" dirty="0" smtClean="0">
+                <a:solidFill>
+                  <a:srgbClr val="9F009F"/>
+                </a:solidFill>
+              </a:rPr>
+              <a:t>all</a:t>
+            </a:r>
+            <a:r>
+              <a:rPr lang="en-US" sz="6000" dirty="0" smtClean="0">
+                <a:solidFill>
+                  <a:srgbClr val="660066"/>
+                </a:solidFill>
+              </a:rPr>
+              <a:t> </a:t>
+            </a:r>
+            <a:r>
+              <a:rPr lang="en-US" sz="6000" dirty="0" smtClean="0"/>
+              <a:t>sets of girls,</a:t>
+            </a:r>
+            <a:r>
+              <a:rPr lang="en-US" sz="6000" dirty="0" smtClean="0">
+                <a:solidFill>
+                  <a:schemeClr val="accent1">
+                    <a:lumMod val="50000"/>
+                  </a:schemeClr>
+                </a:solidFill>
+              </a:rPr>
               <a:t> S</a:t>
             </a:r>
             <a:r>
               <a:rPr lang="en-US" sz="6000" dirty="0" smtClean="0"/>
               <a:t>, </a:t>
             </a:r>
-            <a:endParaRPr lang="en-US" sz="6000" dirty="0" smtClean="0"/>
           </a:p>
           <a:p>
             <a:pPr marL="0" indent="0">
@@ -5152,11 +5273,7 @@
             </a:pPr>
             <a:r>
               <a:rPr lang="en-US" sz="6000" dirty="0" smtClean="0"/>
-              <a:t>then there </a:t>
-            </a:r>
-            <a:r>
-              <a:rPr lang="en-US" sz="6000" dirty="0" smtClean="0"/>
-              <a:t>is a</a:t>
+              <a:t>then there is a</a:t>
             </a:r>
             <a:r>
               <a:rPr lang="en-US" sz="6000" dirty="0" smtClean="0">
@@ -5353,13 +5470,13 @@
   <p:clrMapOvr>
     <a:masterClrMapping/>
   </p:clrMapOvr>
-  <mc:AlternateContent xmlns:mc="http://schemas.openxmlformats.org/markup-compatibility/2006">
-    <mc:Choice xmlns:p14="http://schemas.microsoft.com/office/powerpoint/2010/main" Requires="p14">
+  <mc:AlternateContent xmlns:mc="http://schemas.openxmlformats.org/markup-compatibility/2006" xmlns:p14="http://schemas.microsoft.com/office/powerpoint/2010/main">
+    <mc:Choice Requires="p14">
       <p:transition spd="slow" p14:dur="1010">
         <p:fade/>
       </p:transition>
     </mc:Choice>
-    <mc:Fallback>
+    <mc:Fallback xmlns="">
       <p:transition xmlns:p14="http://schemas.microsoft.com/office/powerpoint/2010/main" spd="slow">
         <p:fade/>
       </p:transition>
@@ -5642,7 +5759,7 @@
           <a:graphicData uri="http://schemas.openxmlformats.org/presentationml/2006/ole">
             <mc:AlternateContent xmlns:mc="http://schemas.openxmlformats.org/markup-compatibility/2006">
               <mc:Choice xmlns:v="urn:schemas-microsoft-com:vml" Requires="v">
-                <p:oleObj spid="_x0000_s1069" name="Equation" r:id="rId4" imgW="914400" imgH="198720" progId="">
+                <p:oleObj spid="_x0000_s1081" name="Equation" r:id="rId4" imgW="914400" imgH="198720" progId="">
                   <p:embed/>
                 </p:oleObj>
               </mc:Choice>
@@ -5718,7 +5835,7 @@
           <a:graphicData uri="http://schemas.openxmlformats.org/presentationml/2006/ole">
             <mc:AlternateContent xmlns:mc="http://schemas.openxmlformats.org/markup-compatibility/2006">
               <mc:Choice xmlns:v="urn:schemas-microsoft-com:vml" Requires="v">
-                <p:oleObj spid="_x0000_s1070" name="Equation" r:id="rId6" imgW="914400" imgH="198720" progId="Equation.3">
+                <p:oleObj spid="_x0000_s1082" name="Equation" r:id="rId6" imgW="914400" imgH="198720" progId="Equation.3">
                   <p:embed/>
                 </p:oleObj>
               </mc:Choice>
@@ -6260,7 +6377,7 @@
           <a:graphicData uri="http://schemas.openxmlformats.org/presentationml/2006/ole">
             <mc:AlternateContent xmlns:mc="http://schemas.openxmlformats.org/markup-compatibility/2006">
               <mc:Choice xmlns:v="urn:schemas-microsoft-com:vml" Requires="v">
-                <p:oleObj spid="_x0000_s2099" name="Equation" r:id="rId4" imgW="914400" imgH="198720" progId="">
+                <p:oleObj spid="_x0000_s2111" name="Equation" r:id="rId4" imgW="914400" imgH="198720" progId="">
                   <p:embed/>
                 </p:oleObj>
               </mc:Choice>
@@ -6336,7 +6453,7 @@
           <a:graphicData uri="http://schemas.openxmlformats.org/presentationml/2006/ole">
             <mc:AlternateContent xmlns:mc="http://schemas.openxmlformats.org/markup-compatibility/2006">
               <mc:Choice xmlns:v="urn:schemas-microsoft-com:vml" Requires="v">
-                <p:oleObj spid="_x0000_s2100" name="Equation" r:id="rId6" imgW="914400" imgH="198720" progId="Equation.3">
+                <p:oleObj spid="_x0000_s2112" name="Equation" r:id="rId6" imgW="914400" imgH="198720" progId="Equation.3">
                   <p:embed/>
                 </p:oleObj>
               </mc:Choice>
@@ -6599,7 +6716,7 @@
                                     </p:set>
                                     <p:animEffect transition="in" filter="fade">
                                       <p:cBhvr>
-                                        <p:cTn id="7" dur="500"/>
+                                        <p:cTn id="7" dur="1000"/>
                                         <p:tgtEl>
                                           <p:spTgt spid="14"/>
                                         </p:tgtEl>
@@ -6614,7 +6731,7 @@
                         <p:par>
                           <p:cTn id="8" fill="hold">
                             <p:stCondLst>
-                              <p:cond delay="500"/>
+                              <p:cond delay="1000"/>
                             </p:stCondLst>
                             <p:childTnLst>
                               <p:par>
@@ -7006,7 +7123,7 @@
           <a:graphicData uri="http://schemas.openxmlformats.org/presentationml/2006/ole">
             <mc:AlternateContent xmlns:mc="http://schemas.openxmlformats.org/markup-compatibility/2006">
               <mc:Choice xmlns:v="urn:schemas-microsoft-com:vml" Requires="v">
-                <p:oleObj spid="_x0000_s11283" name="Equation" r:id="rId4" imgW="914400" imgH="198720" progId="">
+                <p:oleObj spid="_x0000_s11295" name="Equation" r:id="rId4" imgW="914400" imgH="198720" progId="">
                   <p:embed/>
                 </p:oleObj>
               </mc:Choice>
@@ -7082,7 +7199,7 @@
           <a:graphicData uri="http://schemas.openxmlformats.org/presentationml/2006/ole">
             <mc:AlternateContent xmlns:mc="http://schemas.openxmlformats.org/markup-compatibility/2006">
               <mc:Choice xmlns:v="urn:schemas-microsoft-com:vml" Requires="v">
-                <p:oleObj spid="_x0000_s11284" name="Equation" r:id="rId6" imgW="914400" imgH="198720" progId="Equation.3">
+                <p:oleObj spid="_x0000_s11296" name="Equation" r:id="rId6" imgW="914400" imgH="198720" progId="Equation.3">
                   <p:embed/>
                 </p:oleObj>
               </mc:Choice>
@@ -7496,13 +7613,7 @@
               <a:rPr lang="en-US" sz="4400" dirty="0" smtClean="0">
                 <a:latin typeface="Comic Sans MS" pitchFamily="8" charset="0"/>
               </a:rPr>
-              <a:t> </a:t>
-            </a:r>
-            <a:r>
-              <a:rPr lang="en-US" sz="4400" dirty="0" smtClean="0">
-                <a:latin typeface="Comic Sans MS" pitchFamily="8" charset="0"/>
-              </a:rPr>
-              <a:t>    </a:t>
+              <a:t>     </a:t>
             </a:r>
             <a:r>
               <a:rPr lang="en-US" sz="4400" b="1" dirty="0" smtClean="0">
@@ -7575,14 +7686,7 @@
                 <a:latin typeface="Comic Sans MS" pitchFamily="8" charset="0"/>
                 <a:sym typeface="Euclid Symbol" pitchFamily="18" charset="2"/>
               </a:rPr>
-              <a:t>  </a:t>
-            </a:r>
-            <a:r>
-              <a:rPr lang="en-US" sz="4400" dirty="0" smtClean="0">
-                <a:latin typeface="Comic Sans MS" pitchFamily="8" charset="0"/>
-                <a:sym typeface="Euclid Symbol" pitchFamily="18" charset="2"/>
-              </a:rPr>
-              <a:t> </a:t>
+              <a:t>   </a:t>
             </a:r>
             <a:r>
               <a:rPr lang="en-US" sz="4400" dirty="0">
@@ -7947,7 +8051,7 @@
                                     </p:set>
                                     <p:anim calcmode="lin" valueType="num">
                                       <p:cBhvr additive="base">
-                                        <p:cTn id="22" dur="500" fill="hold"/>
+                                        <p:cTn id="22" dur="1000" fill="hold"/>
                                         <p:tgtEl>
                                           <p:spTgt spid="11">
                                             <p:txEl>
@@ -7974,7 +8078,7 @@
                                     </p:anim>
                                     <p:anim calcmode="lin" valueType="num">
                                       <p:cBhvr additive="base">
-                                        <p:cTn id="23" dur="500" fill="hold"/>
+                                        <p:cTn id="23" dur="1000" fill="hold"/>
                                         <p:tgtEl>
                                           <p:spTgt spid="11">
                                             <p:txEl>
@@ -8073,11 +8177,7 @@
           <a:p>
             <a:r>
               <a:rPr lang="en-US" sz="3600" dirty="0" smtClean="0"/>
-              <a:t>Proof of Hall’s </a:t>
-            </a:r>
-            <a:r>
-              <a:rPr lang="en-US" sz="3600" dirty="0" smtClean="0"/>
-              <a:t>Theorem</a:t>
+              <a:t>Proof of Hall’s Theorem</a:t>
             </a:r>
           </a:p>
         </p:txBody>
@@ -8451,7 +8551,7 @@
                                     </p:set>
                                     <p:animEffect transition="in" filter="dissolve">
                                       <p:cBhvr>
-                                        <p:cTn id="12" dur="500"/>
+                                        <p:cTn id="12" dur="1000"/>
                                         <p:tgtEl>
                                           <p:spTgt spid="2"/>
                                         </p:tgtEl>
@@ -8627,11 +8727,7 @@
           <a:p>
             <a:r>
               <a:rPr lang="en-US" sz="3600" dirty="0" smtClean="0"/>
-              <a:t>Proof of Hall’s </a:t>
-            </a:r>
-            <a:r>
-              <a:rPr lang="en-US" sz="3600" dirty="0" smtClean="0"/>
-              <a:t>Theorem</a:t>
+              <a:t>Proof of Hall’s Theorem</a:t>
             </a:r>
           </a:p>
         </p:txBody>
@@ -8877,7 +8973,7 @@
           <a:graphicData uri="http://schemas.openxmlformats.org/presentationml/2006/ole">
             <mc:AlternateContent xmlns:mc="http://schemas.openxmlformats.org/markup-compatibility/2006">
               <mc:Choice xmlns:v="urn:schemas-microsoft-com:vml" Requires="v">
-                <p:oleObj spid="_x0000_s12299" name="Equation" r:id="rId4" imgW="1270000" imgH="254000" progId="Equation.DSMT4">
+                <p:oleObj spid="_x0000_s12306" name="Equation" r:id="rId4" imgW="1270000" imgH="254000" progId="Equation.DSMT4">
                   <p:embed/>
                 </p:oleObj>
               </mc:Choice>
@@ -8998,13 +9094,13 @@
   <p:clrMapOvr>
     <a:masterClrMapping/>
   </p:clrMapOvr>
-  <mc:AlternateContent xmlns:mc="http://schemas.openxmlformats.org/markup-compatibility/2006">
-    <mc:Choice xmlns:p14="http://schemas.microsoft.com/office/powerpoint/2010/main" Requires="p14">
+  <mc:AlternateContent xmlns:mc="http://schemas.openxmlformats.org/markup-compatibility/2006" xmlns:p14="http://schemas.microsoft.com/office/powerpoint/2010/main">
+    <mc:Choice Requires="p14">
       <p:transition spd="med" p14:dur="700">
         <p:fade/>
       </p:transition>
     </mc:Choice>
-    <mc:Fallback>
+    <mc:Fallback xmlns="">
       <p:transition xmlns:p14="http://schemas.microsoft.com/office/powerpoint/2010/main" spd="med">
         <p:fade/>
       </p:transition>
@@ -9031,7 +9127,7 @@
                             </p:stCondLst>
                             <p:childTnLst>
                               <p:par>
-                                <p:cTn id="5" presetID="9" presetClass="entr" presetSubtype="0" fill="hold" grpId="0" nodeType="clickEffect">
+                                <p:cTn id="5" presetID="9" presetClass="entr" presetSubtype="0" fill="hold" nodeType="clickEffect">
                                   <p:stCondLst>
                                     <p:cond delay="0"/>
                                   </p:stCondLst>
@@ -9039,67 +9135,6 @@
                                     <p:set>
                                       <p:cBhvr>
                                         <p:cTn id="6" dur="1" fill="hold">
-                                          <p:stCondLst>
-                                            <p:cond delay="0"/>
-                                          </p:stCondLst>
-                                        </p:cTn>
-                                        <p:tgtEl>
-                                          <p:spTgt spid="271363">
-                                            <p:txEl>
-                                              <p:pRg st="0" end="0"/>
-                                            </p:txEl>
-                                          </p:spTgt>
-                                        </p:tgtEl>
-                                        <p:attrNameLst>
-                                          <p:attrName>style.visibility</p:attrName>
-                                        </p:attrNameLst>
-                                      </p:cBhvr>
-                                      <p:to>
-                                        <p:strVal val="visible"/>
-                                      </p:to>
-                                    </p:set>
-                                    <p:animEffect transition="in" filter="dissolve">
-                                      <p:cBhvr>
-                                        <p:cTn id="7" dur="500"/>
-                                        <p:tgtEl>
-                                          <p:spTgt spid="271363">
-                                            <p:txEl>
-                                              <p:pRg st="0" end="0"/>
-                                            </p:txEl>
-                                          </p:spTgt>
-                                        </p:tgtEl>
-                                      </p:cBhvr>
-                                    </p:animEffect>
-                                  </p:childTnLst>
-                                </p:cTn>
-                              </p:par>
-                            </p:childTnLst>
-                          </p:cTn>
-                        </p:par>
-                      </p:childTnLst>
-                    </p:cTn>
-                  </p:par>
-                  <p:par>
-                    <p:cTn id="8" fill="hold">
-                      <p:stCondLst>
-                        <p:cond delay="indefinite"/>
-                      </p:stCondLst>
-                      <p:childTnLst>
-                        <p:par>
-                          <p:cTn id="9" fill="hold">
-                            <p:stCondLst>
-                              <p:cond delay="0"/>
-                            </p:stCondLst>
-                            <p:childTnLst>
-                              <p:par>
-                                <p:cTn id="10" presetID="9" presetClass="entr" presetSubtype="0" fill="hold" nodeType="clickEffect">
-                                  <p:stCondLst>
-                                    <p:cond delay="0"/>
-                                  </p:stCondLst>
-                                  <p:childTnLst>
-                                    <p:set>
-                                      <p:cBhvr>
-                                        <p:cTn id="11" dur="1" fill="hold">
                                           <p:stCondLst>
                                             <p:cond delay="0"/>
                                           </p:stCondLst>
@@ -9117,7 +9152,7 @@
                                     </p:set>
                                     <p:animEffect transition="in" filter="dissolve">
                                       <p:cBhvr>
-                                        <p:cTn id="12" dur="500"/>
+                                        <p:cTn id="7" dur="500"/>
                                         <p:tgtEl>
                                           <p:spTgt spid="6"/>
                                         </p:tgtEl>
@@ -9153,9 +9188,6 @@
         </p:cTn>
       </p:par>
     </p:tnLst>
-    <p:bldLst>
-      <p:bldP spid="271363" grpId="0" build="p"/>
-    </p:bldLst>
   </p:timing>
 </p:sld>
 </file>
@@ -10201,7 +10233,6 @@
               <a:rPr lang="en-US" sz="4400" dirty="0" smtClean="0"/>
               <a:t> </a:t>
             </a:r>
-            <a:endParaRPr lang="en-US" sz="4400" dirty="0" smtClean="0"/>
           </a:p>
         </p:txBody>
       </p:sp>
@@ -10221,7 +10252,7 @@
           <a:graphicData uri="http://schemas.openxmlformats.org/presentationml/2006/ole">
             <mc:AlternateContent xmlns:mc="http://schemas.openxmlformats.org/markup-compatibility/2006">
               <mc:Choice xmlns:v="urn:schemas-microsoft-com:vml" Requires="v">
-                <p:oleObj spid="_x0000_s5181" name="Equation" r:id="rId4" imgW="114120" imgH="177480" progId="Equation.DSMT4">
+                <p:oleObj spid="_x0000_s5213" name="Equation" r:id="rId4" imgW="114120" imgH="177480" progId="Equation.DSMT4">
                   <p:embed/>
                 </p:oleObj>
               </mc:Choice>
@@ -10751,7 +10782,7 @@
             <a:graphicData uri="http://schemas.openxmlformats.org/presentationml/2006/ole">
               <mc:AlternateContent xmlns:mc="http://schemas.openxmlformats.org/markup-compatibility/2006">
                 <mc:Choice xmlns:v="urn:schemas-microsoft-com:vml" Requires="v">
-                  <p:oleObj spid="_x0000_s5182" name="Equation" r:id="rId6" imgW="139680" imgH="215640" progId="Equation.DSMT4">
+                  <p:oleObj spid="_x0000_s5214" name="Equation" r:id="rId6" imgW="139680" imgH="215640" progId="Equation.DSMT4">
                     <p:embed/>
                   </p:oleObj>
                 </mc:Choice>
@@ -10881,7 +10912,7 @@
             <a:graphicData uri="http://schemas.openxmlformats.org/presentationml/2006/ole">
               <mc:AlternateContent xmlns:mc="http://schemas.openxmlformats.org/markup-compatibility/2006">
                 <mc:Choice xmlns:v="urn:schemas-microsoft-com:vml" Requires="v">
-                  <p:oleObj spid="_x0000_s5183" name="Equation" r:id="rId8" imgW="355600" imgH="254000" progId="Equation.DSMT4">
+                  <p:oleObj spid="_x0000_s5215" name="Equation" r:id="rId8" imgW="355600" imgH="254000" progId="Equation.DSMT4">
                     <p:embed/>
                   </p:oleObj>
                 </mc:Choice>
@@ -11197,7 +11228,7 @@
           <a:graphicData uri="http://schemas.openxmlformats.org/presentationml/2006/ole">
             <mc:AlternateContent xmlns:mc="http://schemas.openxmlformats.org/markup-compatibility/2006">
               <mc:Choice xmlns:v="urn:schemas-microsoft-com:vml" Requires="v">
-                <p:oleObj spid="_x0000_s5184" name="Equation" r:id="rId10" imgW="139680" imgH="215640" progId="Equation.DSMT4">
+                <p:oleObj spid="_x0000_s5216" name="Equation" r:id="rId10" imgW="139680" imgH="215640" progId="Equation.DSMT4">
                   <p:embed/>
                 </p:oleObj>
               </mc:Choice>
@@ -11273,7 +11304,7 @@
           <a:graphicData uri="http://schemas.openxmlformats.org/presentationml/2006/ole">
             <mc:AlternateContent xmlns:mc="http://schemas.openxmlformats.org/markup-compatibility/2006">
               <mc:Choice xmlns:v="urn:schemas-microsoft-com:vml" Requires="v">
-                <p:oleObj spid="_x0000_s5185" name="Equation" r:id="rId11" imgW="355600" imgH="254000" progId="Equation.DSMT4">
+                <p:oleObj spid="_x0000_s5217" name="Equation" r:id="rId11" imgW="355600" imgH="254000" progId="Equation.DSMT4">
                   <p:embed/>
                 </p:oleObj>
               </mc:Choice>
@@ -11559,7 +11590,7 @@
                             </p:stCondLst>
                             <p:childTnLst>
                               <p:par>
-                                <p:cTn id="10" presetID="9" presetClass="entr" presetSubtype="0" fill="hold" nodeType="clickEffect">
+                                <p:cTn id="10" presetID="22" presetClass="entr" presetSubtype="8" fill="hold" nodeType="clickEffect">
                                   <p:stCondLst>
                                     <p:cond delay="0"/>
                                   </p:stCondLst>
@@ -11572,7 +11603,7 @@
                                           </p:stCondLst>
                                         </p:cTn>
                                         <p:tgtEl>
-                                          <p:spTgt spid="5"/>
+                                          <p:spTgt spid="2"/>
                                         </p:tgtEl>
                                         <p:attrNameLst>
                                           <p:attrName>style.visibility</p:attrName>
@@ -11582,11 +11613,11 @@
                                         <p:strVal val="visible"/>
                                       </p:to>
                                     </p:set>
-                                    <p:animEffect transition="in" filter="dissolve">
+                                    <p:animEffect transition="in" filter="wipe(left)">
                                       <p:cBhvr>
                                         <p:cTn id="12" dur="500"/>
                                         <p:tgtEl>
-                                          <p:spTgt spid="5"/>
+                                          <p:spTgt spid="2"/>
                                         </p:tgtEl>
                                       </p:cBhvr>
                                     </p:animEffect>
@@ -11612,7 +11643,7 @@
                             </p:stCondLst>
                             <p:childTnLst>
                               <p:par>
-                                <p:cTn id="15" presetID="22" presetClass="entr" presetSubtype="8" fill="hold" nodeType="clickEffect">
+                                <p:cTn id="15" presetID="22" presetClass="entr" presetSubtype="4" fill="hold" nodeType="clickEffect">
                                   <p:stCondLst>
                                     <p:cond delay="0"/>
                                   </p:stCondLst>
@@ -11625,7 +11656,7 @@
                                           </p:stCondLst>
                                         </p:cTn>
                                         <p:tgtEl>
-                                          <p:spTgt spid="2"/>
+                                          <p:spTgt spid="6"/>
                                         </p:tgtEl>
                                         <p:attrNameLst>
                                           <p:attrName>style.visibility</p:attrName>
@@ -11635,11 +11666,11 @@
                                         <p:strVal val="visible"/>
                                       </p:to>
                                     </p:set>
-                                    <p:animEffect transition="in" filter="wipe(left)">
+                                    <p:animEffect transition="in" filter="wipe(down)">
                                       <p:cBhvr>
                                         <p:cTn id="17" dur="500"/>
                                         <p:tgtEl>
-                                          <p:spTgt spid="2"/>
+                                          <p:spTgt spid="6"/>
                                         </p:tgtEl>
                                       </p:cBhvr>
                                     </p:animEffect>
@@ -11665,7 +11696,7 @@
                             </p:stCondLst>
                             <p:childTnLst>
                               <p:par>
-                                <p:cTn id="20" presetID="22" presetClass="entr" presetSubtype="4" fill="hold" nodeType="clickEffect">
+                                <p:cTn id="20" presetID="9" presetClass="entr" presetSubtype="0" fill="hold" nodeType="clickEffect">
                                   <p:stCondLst>
                                     <p:cond delay="0"/>
                                   </p:stCondLst>
@@ -11678,7 +11709,7 @@
                                           </p:stCondLst>
                                         </p:cTn>
                                         <p:tgtEl>
-                                          <p:spTgt spid="6"/>
+                                          <p:spTgt spid="5"/>
                                         </p:tgtEl>
                                         <p:attrNameLst>
                                           <p:attrName>style.visibility</p:attrName>
@@ -11688,11 +11719,11 @@
                                         <p:strVal val="visible"/>
                                       </p:to>
                                     </p:set>
-                                    <p:animEffect transition="in" filter="wipe(down)">
+                                    <p:animEffect transition="in" filter="dissolve">
                                       <p:cBhvr>
                                         <p:cTn id="22" dur="500"/>
                                         <p:tgtEl>
-                                          <p:spTgt spid="6"/>
+                                          <p:spTgt spid="5"/>
                                         </p:tgtEl>
                                       </p:cBhvr>
                                     </p:animEffect>
@@ -12210,11 +12241,7 @@
           <a:p>
             <a:r>
               <a:rPr lang="en-US" sz="3600" dirty="0" smtClean="0"/>
-              <a:t>Proof of Hall’s </a:t>
-            </a:r>
-            <a:r>
-              <a:rPr lang="en-US" sz="3600" dirty="0" smtClean="0"/>
-              <a:t>Theorem</a:t>
+              <a:t>Proof of Hall’s Theorem</a:t>
             </a:r>
           </a:p>
         </p:txBody>
@@ -12253,7 +12280,7 @@
                             </p:stCondLst>
                             <p:childTnLst>
                               <p:par>
-                                <p:cTn id="5" presetID="1" presetClass="entr" presetSubtype="0" fill="hold" nodeType="clickEffect">
+                                <p:cTn id="5" presetID="9" presetClass="entr" presetSubtype="0" fill="hold" nodeType="clickEffect">
                                   <p:stCondLst>
                                     <p:cond delay="0"/>
                                   </p:stCondLst>
@@ -12280,6 +12307,18 @@
                                         <p:strVal val="visible"/>
                                       </p:to>
                                     </p:set>
+                                    <p:animEffect transition="in" filter="dissolve">
+                                      <p:cBhvr>
+                                        <p:cTn id="7" dur="500"/>
+                                        <p:tgtEl>
+                                          <p:spTgt spid="277506">
+                                            <p:txEl>
+                                              <p:pRg st="3" end="3"/>
+                                            </p:txEl>
+                                          </p:spTgt>
+                                        </p:tgtEl>
+                                      </p:cBhvr>
+                                    </p:animEffect>
                                   </p:childTnLst>
                                 </p:cTn>
                               </p:par>

--- a/spring12/slidesS12/hall-proof.pptx
+++ b/spring12/slidesS12/hall-proof.pptx
@@ -5,10 +5,10 @@
     <p:sldMasterId id="2147483662" r:id="rId1"/>
   </p:sldMasterIdLst>
   <p:notesMasterIdLst>
-    <p:notesMasterId r:id="rId14"/>
+    <p:notesMasterId r:id="rId17"/>
   </p:notesMasterIdLst>
   <p:handoutMasterIdLst>
-    <p:handoutMasterId r:id="rId15"/>
+    <p:handoutMasterId r:id="rId18"/>
   </p:handoutMasterIdLst>
   <p:sldIdLst>
     <p:sldId id="857" r:id="rId2"/>
@@ -21,13 +21,16 @@
     <p:sldId id="879" r:id="rId9"/>
     <p:sldId id="880" r:id="rId10"/>
     <p:sldId id="881" r:id="rId11"/>
-    <p:sldId id="882" r:id="rId12"/>
-    <p:sldId id="883" r:id="rId13"/>
+    <p:sldId id="888" r:id="rId12"/>
+    <p:sldId id="889" r:id="rId13"/>
+    <p:sldId id="883" r:id="rId14"/>
+    <p:sldId id="891" r:id="rId15"/>
+    <p:sldId id="893" r:id="rId16"/>
   </p:sldIdLst>
   <p:sldSz cx="9144000" cy="6858000" type="screen4x3"/>
   <p:notesSz cx="9601200" cy="7315200"/>
   <p:custDataLst>
-    <p:tags r:id="rId17"/>
+    <p:tags r:id="rId20"/>
   </p:custDataLst>
   <p:defaultTextStyle>
     <a:defPPr>
@@ -1096,6 +1099,234 @@
 </file>
 
 <file path=ppt/notesSlides/notesSlide12.xml><?xml version="1.0" encoding="utf-8"?>
+<p:notes xmlns:a="http://schemas.openxmlformats.org/drawingml/2006/main" xmlns:r="http://schemas.openxmlformats.org/officeDocument/2006/relationships" xmlns:p="http://schemas.openxmlformats.org/presentationml/2006/main">
+  <p:cSld>
+    <p:spTree>
+      <p:nvGrpSpPr>
+        <p:cNvPr id="1" name=""/>
+        <p:cNvGrpSpPr/>
+        <p:nvPr/>
+      </p:nvGrpSpPr>
+      <p:grpSpPr>
+        <a:xfrm>
+          <a:off x="0" y="0"/>
+          <a:ext cx="0" cy="0"/>
+          <a:chOff x="0" y="0"/>
+          <a:chExt cx="0" cy="0"/>
+        </a:xfrm>
+      </p:grpSpPr>
+      <p:sp>
+        <p:nvSpPr>
+          <p:cNvPr id="100354" name="Rectangle 2"/>
+          <p:cNvSpPr>
+            <a:spLocks noGrp="1" noRot="1" noChangeAspect="1" noChangeArrowheads="1" noTextEdit="1"/>
+          </p:cNvSpPr>
+          <p:nvPr>
+            <p:ph type="sldImg"/>
+          </p:nvPr>
+        </p:nvSpPr>
+        <p:spPr>
+          <a:solidFill>
+            <a:srgbClr val="FFFFFF"/>
+          </a:solidFill>
+          <a:ln/>
+        </p:spPr>
+      </p:sp>
+      <p:sp>
+        <p:nvSpPr>
+          <p:cNvPr id="100355" name="Rectangle 3"/>
+          <p:cNvSpPr>
+            <a:spLocks noGrp="1" noChangeArrowheads="1"/>
+          </p:cNvSpPr>
+          <p:nvPr>
+            <p:ph type="body" idx="1"/>
+          </p:nvPr>
+        </p:nvSpPr>
+        <p:spPr>
+          <a:xfrm>
+            <a:off x="1279327" y="3474963"/>
+            <a:ext cx="7042547" cy="3291114"/>
+          </a:xfrm>
+          <a:solidFill>
+            <a:srgbClr val="FFFFFF"/>
+          </a:solidFill>
+          <a:ln>
+            <a:solidFill>
+              <a:srgbClr val="000000"/>
+            </a:solidFill>
+          </a:ln>
+        </p:spPr>
+        <p:txBody>
+          <a:bodyPr/>
+          <a:lstStyle/>
+          <a:p>
+            <a:endParaRPr lang="en-US" smtClean="0">
+              <a:latin typeface="Times New Roman" pitchFamily="8" charset="0"/>
+            </a:endParaRPr>
+          </a:p>
+        </p:txBody>
+      </p:sp>
+    </p:spTree>
+  </p:cSld>
+  <p:clrMapOvr>
+    <a:masterClrMapping/>
+  </p:clrMapOvr>
+</p:notes>
+</file>
+
+<file path=ppt/notesSlides/notesSlide13.xml><?xml version="1.0" encoding="utf-8"?>
+<p:notes xmlns:a="http://schemas.openxmlformats.org/drawingml/2006/main" xmlns:r="http://schemas.openxmlformats.org/officeDocument/2006/relationships" xmlns:p="http://schemas.openxmlformats.org/presentationml/2006/main">
+  <p:cSld>
+    <p:spTree>
+      <p:nvGrpSpPr>
+        <p:cNvPr id="1" name=""/>
+        <p:cNvGrpSpPr/>
+        <p:nvPr/>
+      </p:nvGrpSpPr>
+      <p:grpSpPr>
+        <a:xfrm>
+          <a:off x="0" y="0"/>
+          <a:ext cx="0" cy="0"/>
+          <a:chOff x="0" y="0"/>
+          <a:chExt cx="0" cy="0"/>
+        </a:xfrm>
+      </p:grpSpPr>
+      <p:sp>
+        <p:nvSpPr>
+          <p:cNvPr id="101378" name="Rectangle 2"/>
+          <p:cNvSpPr>
+            <a:spLocks noGrp="1" noRot="1" noChangeAspect="1" noChangeArrowheads="1" noTextEdit="1"/>
+          </p:cNvSpPr>
+          <p:nvPr>
+            <p:ph type="sldImg"/>
+          </p:nvPr>
+        </p:nvSpPr>
+        <p:spPr>
+          <a:solidFill>
+            <a:srgbClr val="FFFFFF"/>
+          </a:solidFill>
+          <a:ln/>
+        </p:spPr>
+      </p:sp>
+      <p:sp>
+        <p:nvSpPr>
+          <p:cNvPr id="101379" name="Rectangle 3"/>
+          <p:cNvSpPr>
+            <a:spLocks noGrp="1" noChangeArrowheads="1"/>
+          </p:cNvSpPr>
+          <p:nvPr>
+            <p:ph type="body" idx="1"/>
+          </p:nvPr>
+        </p:nvSpPr>
+        <p:spPr>
+          <a:xfrm>
+            <a:off x="1279327" y="3474963"/>
+            <a:ext cx="7042547" cy="3291114"/>
+          </a:xfrm>
+          <a:solidFill>
+            <a:srgbClr val="FFFFFF"/>
+          </a:solidFill>
+          <a:ln>
+            <a:solidFill>
+              <a:srgbClr val="000000"/>
+            </a:solidFill>
+          </a:ln>
+        </p:spPr>
+        <p:txBody>
+          <a:bodyPr/>
+          <a:lstStyle/>
+          <a:p>
+            <a:endParaRPr lang="en-US" smtClean="0">
+              <a:latin typeface="Times New Roman" pitchFamily="8" charset="0"/>
+            </a:endParaRPr>
+          </a:p>
+        </p:txBody>
+      </p:sp>
+    </p:spTree>
+  </p:cSld>
+  <p:clrMapOvr>
+    <a:masterClrMapping/>
+  </p:clrMapOvr>
+</p:notes>
+</file>
+
+<file path=ppt/notesSlides/notesSlide14.xml><?xml version="1.0" encoding="utf-8"?>
+<p:notes xmlns:a="http://schemas.openxmlformats.org/drawingml/2006/main" xmlns:r="http://schemas.openxmlformats.org/officeDocument/2006/relationships" xmlns:p="http://schemas.openxmlformats.org/presentationml/2006/main">
+  <p:cSld>
+    <p:spTree>
+      <p:nvGrpSpPr>
+        <p:cNvPr id="1" name=""/>
+        <p:cNvGrpSpPr/>
+        <p:nvPr/>
+      </p:nvGrpSpPr>
+      <p:grpSpPr>
+        <a:xfrm>
+          <a:off x="0" y="0"/>
+          <a:ext cx="0" cy="0"/>
+          <a:chOff x="0" y="0"/>
+          <a:chExt cx="0" cy="0"/>
+        </a:xfrm>
+      </p:grpSpPr>
+      <p:sp>
+        <p:nvSpPr>
+          <p:cNvPr id="101378" name="Rectangle 2"/>
+          <p:cNvSpPr>
+            <a:spLocks noGrp="1" noRot="1" noChangeAspect="1" noChangeArrowheads="1" noTextEdit="1"/>
+          </p:cNvSpPr>
+          <p:nvPr>
+            <p:ph type="sldImg"/>
+          </p:nvPr>
+        </p:nvSpPr>
+        <p:spPr>
+          <a:solidFill>
+            <a:srgbClr val="FFFFFF"/>
+          </a:solidFill>
+          <a:ln/>
+        </p:spPr>
+      </p:sp>
+      <p:sp>
+        <p:nvSpPr>
+          <p:cNvPr id="101379" name="Rectangle 3"/>
+          <p:cNvSpPr>
+            <a:spLocks noGrp="1" noChangeArrowheads="1"/>
+          </p:cNvSpPr>
+          <p:nvPr>
+            <p:ph type="body" idx="1"/>
+          </p:nvPr>
+        </p:nvSpPr>
+        <p:spPr>
+          <a:xfrm>
+            <a:off x="1279327" y="3474963"/>
+            <a:ext cx="7042547" cy="3291114"/>
+          </a:xfrm>
+          <a:solidFill>
+            <a:srgbClr val="FFFFFF"/>
+          </a:solidFill>
+          <a:ln>
+            <a:solidFill>
+              <a:srgbClr val="000000"/>
+            </a:solidFill>
+          </a:ln>
+        </p:spPr>
+        <p:txBody>
+          <a:bodyPr/>
+          <a:lstStyle/>
+          <a:p>
+            <a:endParaRPr lang="en-US" smtClean="0">
+              <a:latin typeface="Times New Roman" pitchFamily="8" charset="0"/>
+            </a:endParaRPr>
+          </a:p>
+        </p:txBody>
+      </p:sp>
+    </p:spTree>
+  </p:cSld>
+  <p:clrMapOvr>
+    <a:masterClrMapping/>
+  </p:clrMapOvr>
+</p:notes>
+</file>
+
+<file path=ppt/notesSlides/notesSlide15.xml><?xml version="1.0" encoding="utf-8"?>
 <p:notes xmlns:a="http://schemas.openxmlformats.org/drawingml/2006/main" xmlns:r="http://schemas.openxmlformats.org/officeDocument/2006/relationships" xmlns:p="http://schemas.openxmlformats.org/presentationml/2006/main">
   <p:cSld>
     <p:spTree>
@@ -3653,6 +3884,15 @@
               </a:rPr>
               <a:t>Case 1: there is a </a:t>
             </a:r>
+            <a:r>
+              <a:rPr lang="en-US" sz="4800" dirty="0" smtClean="0">
+                <a:latin typeface="Comic Sans MS" pitchFamily="8" charset="0"/>
+              </a:rPr>
+              <a:t>nonempty</a:t>
+            </a:r>
+            <a:endParaRPr lang="en-US" sz="4800" dirty="0">
+              <a:latin typeface="Comic Sans MS" pitchFamily="8" charset="0"/>
+            </a:endParaRPr>
           </a:p>
           <a:p>
             <a:pPr>
@@ -3747,19 +3987,25 @@
               <a:t>by </a:t>
             </a:r>
             <a:r>
-              <a:rPr lang="en-US" sz="4400" dirty="0">
+              <a:rPr lang="en-US" sz="4400" dirty="0" smtClean="0">
                 <a:solidFill>
                   <a:srgbClr val="9F009F"/>
                 </a:solidFill>
                 <a:latin typeface="Comic Sans MS" pitchFamily="8" charset="0"/>
               </a:rPr>
-              <a:t>Lemma</a:t>
+              <a:t>Lemmas</a:t>
+            </a:r>
+            <a:r>
+              <a:rPr lang="en-US" sz="4800" dirty="0" smtClean="0">
+                <a:latin typeface="Comic Sans MS" pitchFamily="8" charset="0"/>
+              </a:rPr>
+              <a:t>, </a:t>
             </a:r>
             <a:r>
               <a:rPr lang="en-US" sz="4800" dirty="0">
                 <a:latin typeface="Comic Sans MS" pitchFamily="8" charset="0"/>
               </a:rPr>
-              <a:t>, no bottlenecks in</a:t>
+              <a:t>no bottlenecks in</a:t>
             </a:r>
           </a:p>
           <a:p>
@@ -3850,7 +4096,7 @@
           <a:graphicData uri="http://schemas.openxmlformats.org/presentationml/2006/ole">
             <mc:AlternateContent xmlns:mc="http://schemas.openxmlformats.org/markup-compatibility/2006">
               <mc:Choice xmlns:v="urn:schemas-microsoft-com:vml" Requires="v">
-                <p:oleObj spid="_x0000_s6163" name="Equation" r:id="rId4" imgW="635000" imgH="254000" progId="Equation.DSMT4">
+                <p:oleObj spid="_x0000_s6175" name="Equation" r:id="rId4" imgW="635000" imgH="254000" progId="Equation.DSMT4">
                   <p:embed/>
                 </p:oleObj>
               </mc:Choice>
@@ -4243,8 +4489,8 @@
         </p:nvSpPr>
         <p:spPr bwMode="auto">
           <a:xfrm>
-            <a:off x="711200" y="1522413"/>
-            <a:ext cx="7797800" cy="4339650"/>
+            <a:off x="324556" y="929747"/>
+            <a:ext cx="8565443" cy="3046988"/>
           </a:xfrm>
           <a:prstGeom prst="rect">
             <a:avLst/>
@@ -4258,7 +4504,7 @@
           </a:ln>
         </p:spPr>
         <p:txBody>
-          <a:bodyPr>
+          <a:bodyPr wrap="square">
             <a:spAutoFit/>
           </a:bodyPr>
           <a:lstStyle/>
@@ -4278,10 +4524,10 @@
               <a:buNone/>
             </a:pPr>
             <a:r>
-              <a:rPr lang="en-US" sz="6000" dirty="0">
-                <a:latin typeface="Comic Sans MS" pitchFamily="8" charset="0"/>
-              </a:rPr>
-              <a:t>           (</a:t>
+              <a:rPr lang="en-US" sz="6000" dirty="0" smtClean="0">
+                <a:latin typeface="Comic Sans MS" pitchFamily="8" charset="0"/>
+              </a:rPr>
+              <a:t>(</a:t>
             </a:r>
             <a:r>
               <a:rPr lang="en-US" sz="6000" dirty="0">
@@ -4317,27 +4563,29 @@
               <a:rPr lang="en-US" sz="6000" dirty="0">
                 <a:latin typeface="Comic Sans MS" pitchFamily="8" charset="0"/>
               </a:rPr>
-              <a:t>))</a:t>
-            </a:r>
-          </a:p>
-          <a:p>
-            <a:pPr>
-              <a:buNone/>
-            </a:pPr>
+              <a:t>)</a:t>
+            </a:r>
+            <a:r>
+              <a:rPr lang="en-US" sz="6000" dirty="0" smtClean="0">
+                <a:latin typeface="Comic Sans MS" pitchFamily="8" charset="0"/>
+              </a:rPr>
+              <a:t>) and</a:t>
+            </a:r>
+            <a:r>
+              <a:rPr lang="en-US" sz="6000" dirty="0">
+                <a:latin typeface="Comic Sans MS" pitchFamily="8" charset="0"/>
+              </a:rPr>
+              <a:t> </a:t>
+            </a:r>
+            <a:r>
+              <a:rPr lang="en-US" sz="6000" dirty="0" smtClean="0">
+                <a:latin typeface="Comic Sans MS" pitchFamily="8" charset="0"/>
+              </a:rPr>
+              <a:t>separately. </a:t>
+            </a:r>
             <a:endParaRPr lang="en-US" sz="6000" dirty="0">
               <a:latin typeface="Comic Sans MS" pitchFamily="8" charset="0"/>
             </a:endParaRPr>
-          </a:p>
-          <a:p>
-            <a:pPr>
-              <a:buNone/>
-            </a:pPr>
-            <a:r>
-              <a:rPr lang="en-US" sz="6000" dirty="0">
-                <a:latin typeface="Comic Sans MS" pitchFamily="8" charset="0"/>
-              </a:rPr>
-              <a:t>separately.</a:t>
-            </a:r>
           </a:p>
         </p:txBody>
       </p:sp>
@@ -4350,20 +4598,20 @@
           <p:nvPr>
             <p:extLst>
               <p:ext uri="{D42A27DB-BD31-4B8C-83A1-F6EECF244321}">
-                <p14:modId xmlns:p14="http://schemas.microsoft.com/office/powerpoint/2010/main" val="4232743551"/>
+                <p14:modId xmlns:p14="http://schemas.microsoft.com/office/powerpoint/2010/main" val="2731525940"/>
               </p:ext>
             </p:extLst>
           </p:nvPr>
         </p:nvGraphicFramePr>
         <p:xfrm>
-          <a:off x="3255963" y="3355975"/>
+          <a:off x="5457296" y="1817864"/>
           <a:ext cx="3429000" cy="1223963"/>
         </p:xfrm>
         <a:graphic>
           <a:graphicData uri="http://schemas.openxmlformats.org/presentationml/2006/ole">
             <mc:AlternateContent xmlns:mc="http://schemas.openxmlformats.org/markup-compatibility/2006">
               <mc:Choice xmlns:v="urn:schemas-microsoft-com:vml" Requires="v">
-                <p:oleObj spid="_x0000_s7184" name="Equation" r:id="rId4" imgW="635000" imgH="254000" progId="Equation.DSMT4">
+                <p:oleObj spid="_x0000_s16394" name="Equation" r:id="rId4" imgW="635000" imgH="254000" progId="Equation.DSMT4">
                   <p:embed/>
                 </p:oleObj>
               </mc:Choice>
@@ -4387,7 +4635,7 @@
                     </p:blipFill>
                     <p:spPr bwMode="auto">
                       <a:xfrm>
-                        <a:off x="3255963" y="3355975"/>
+                        <a:off x="5457296" y="1817864"/>
                         <a:ext cx="3429000" cy="1223963"/>
                       </a:xfrm>
                       <a:prstGeom prst="rect">
@@ -4483,7 +4731,7 @@
     </p:spTree>
     <p:extLst>
       <p:ext uri="{BB962C8B-B14F-4D97-AF65-F5344CB8AC3E}">
-        <p14:creationId xmlns:p14="http://schemas.microsoft.com/office/powerpoint/2010/main" val="266671764"/>
+        <p14:creationId xmlns:p14="http://schemas.microsoft.com/office/powerpoint/2010/main" val="1793372342"/>
       </p:ext>
     </p:extLst>
   </p:cSld>
@@ -4522,6 +4770,313 @@
       </p:grpSpPr>
       <p:sp>
         <p:nvSpPr>
+          <p:cNvPr id="11267" name="Text Box 3"/>
+          <p:cNvSpPr txBox="1">
+            <a:spLocks noChangeArrowheads="1"/>
+          </p:cNvSpPr>
+          <p:nvPr/>
+        </p:nvSpPr>
+        <p:spPr bwMode="auto">
+          <a:xfrm>
+            <a:off x="324556" y="929747"/>
+            <a:ext cx="8565443" cy="5078313"/>
+          </a:xfrm>
+          <a:prstGeom prst="rect">
+            <a:avLst/>
+          </a:prstGeom>
+          <a:noFill/>
+          <a:ln w="38100">
+            <a:noFill/>
+            <a:miter lim="800000"/>
+            <a:headEnd/>
+            <a:tailEnd type="none" w="lg" len="lg"/>
+          </a:ln>
+        </p:spPr>
+        <p:txBody>
+          <a:bodyPr wrap="square">
+            <a:spAutoFit/>
+          </a:bodyPr>
+          <a:lstStyle/>
+          <a:p>
+            <a:pPr>
+              <a:buNone/>
+            </a:pPr>
+            <a:r>
+              <a:rPr lang="en-US" sz="6000" dirty="0">
+                <a:latin typeface="Comic Sans MS" pitchFamily="8" charset="0"/>
+              </a:rPr>
+              <a:t>by induction, match</a:t>
+            </a:r>
+          </a:p>
+          <a:p>
+            <a:pPr>
+              <a:buNone/>
+            </a:pPr>
+            <a:r>
+              <a:rPr lang="en-US" sz="6000" dirty="0" smtClean="0">
+                <a:latin typeface="Comic Sans MS" pitchFamily="8" charset="0"/>
+              </a:rPr>
+              <a:t>(</a:t>
+            </a:r>
+            <a:r>
+              <a:rPr lang="en-US" sz="6000" dirty="0">
+                <a:solidFill>
+                  <a:srgbClr val="0033CC"/>
+                </a:solidFill>
+                <a:latin typeface="Comic Sans MS" pitchFamily="8" charset="0"/>
+              </a:rPr>
+              <a:t>S</a:t>
+            </a:r>
+            <a:r>
+              <a:rPr lang="en-US" sz="6000" dirty="0">
+                <a:latin typeface="Comic Sans MS" pitchFamily="8" charset="0"/>
+              </a:rPr>
+              <a:t>, </a:t>
+            </a:r>
+            <a:r>
+              <a:rPr lang="en-US" sz="6000" dirty="0" smtClean="0">
+                <a:latin typeface="Comic Sans MS" pitchFamily="8" charset="0"/>
+              </a:rPr>
+              <a:t>E(</a:t>
+            </a:r>
+            <a:r>
+              <a:rPr lang="en-US" sz="6000" dirty="0">
+                <a:solidFill>
+                  <a:srgbClr val="0033CC"/>
+                </a:solidFill>
+                <a:latin typeface="Comic Sans MS" pitchFamily="8" charset="0"/>
+              </a:rPr>
+              <a:t>S</a:t>
+            </a:r>
+            <a:r>
+              <a:rPr lang="en-US" sz="6000" dirty="0">
+                <a:latin typeface="Comic Sans MS" pitchFamily="8" charset="0"/>
+              </a:rPr>
+              <a:t>)</a:t>
+            </a:r>
+            <a:r>
+              <a:rPr lang="en-US" sz="6000" dirty="0" smtClean="0">
+                <a:latin typeface="Comic Sans MS" pitchFamily="8" charset="0"/>
+              </a:rPr>
+              <a:t>) and</a:t>
+            </a:r>
+            <a:r>
+              <a:rPr lang="en-US" sz="6000" dirty="0">
+                <a:latin typeface="Comic Sans MS" pitchFamily="8" charset="0"/>
+              </a:rPr>
+              <a:t> </a:t>
+            </a:r>
+            <a:r>
+              <a:rPr lang="en-US" sz="6000" dirty="0" smtClean="0">
+                <a:latin typeface="Comic Sans MS" pitchFamily="8" charset="0"/>
+              </a:rPr>
+              <a:t>separately.  </a:t>
+            </a:r>
+            <a:r>
+              <a:rPr lang="en-US" sz="6000" dirty="0" err="1" smtClean="0">
+                <a:latin typeface="Comic Sans MS" pitchFamily="8" charset="0"/>
+              </a:rPr>
+              <a:t>Matchings</a:t>
+            </a:r>
+            <a:r>
+              <a:rPr lang="en-US" sz="6000" dirty="0" smtClean="0">
+                <a:latin typeface="Comic Sans MS" pitchFamily="8" charset="0"/>
+              </a:rPr>
+              <a:t> don’t overlap, so union is a complete </a:t>
+            </a:r>
+            <a:r>
+              <a:rPr lang="en-US" sz="6000" dirty="0" smtClean="0">
+                <a:latin typeface="Comic Sans MS" pitchFamily="8" charset="0"/>
+              </a:rPr>
+              <a:t>matching.</a:t>
+            </a:r>
+            <a:endParaRPr lang="en-US" sz="6000" dirty="0">
+              <a:latin typeface="Comic Sans MS" pitchFamily="8" charset="0"/>
+            </a:endParaRPr>
+          </a:p>
+        </p:txBody>
+      </p:sp>
+      <p:graphicFrame>
+        <p:nvGraphicFramePr>
+          <p:cNvPr id="11266" name="Object 5"/>
+          <p:cNvGraphicFramePr>
+            <a:graphicFrameLocks noChangeAspect="1"/>
+          </p:cNvGraphicFramePr>
+          <p:nvPr>
+            <p:extLst>
+              <p:ext uri="{D42A27DB-BD31-4B8C-83A1-F6EECF244321}">
+                <p14:modId xmlns:p14="http://schemas.microsoft.com/office/powerpoint/2010/main" val="2541199010"/>
+              </p:ext>
+            </p:extLst>
+          </p:nvPr>
+        </p:nvGraphicFramePr>
+        <p:xfrm>
+          <a:off x="5457296" y="1817864"/>
+          <a:ext cx="3429000" cy="1223963"/>
+        </p:xfrm>
+        <a:graphic>
+          <a:graphicData uri="http://schemas.openxmlformats.org/presentationml/2006/ole">
+            <mc:AlternateContent xmlns:mc="http://schemas.openxmlformats.org/markup-compatibility/2006">
+              <mc:Choice xmlns:v="urn:schemas-microsoft-com:vml" Requires="v">
+                <p:oleObj spid="_x0000_s17418" name="Equation" r:id="rId4" imgW="635000" imgH="254000" progId="Equation.DSMT4">
+                  <p:embed/>
+                </p:oleObj>
+              </mc:Choice>
+              <mc:Fallback>
+                <p:oleObj name="Equation" r:id="rId4" imgW="635000" imgH="254000" progId="Equation.DSMT4">
+                  <p:embed/>
+                  <p:pic>
+                    <p:nvPicPr>
+                      <p:cNvPr id="0" name=""/>
+                      <p:cNvPicPr>
+                        <a:picLocks noChangeAspect="1" noChangeArrowheads="1"/>
+                      </p:cNvPicPr>
+                      <p:nvPr/>
+                    </p:nvPicPr>
+                    <p:blipFill>
+                      <a:blip r:embed="rId5"/>
+                      <a:srcRect/>
+                      <a:stretch>
+                        <a:fillRect/>
+                      </a:stretch>
+                    </p:blipFill>
+                    <p:spPr bwMode="auto">
+                      <a:xfrm>
+                        <a:off x="5457296" y="1817864"/>
+                        <a:ext cx="3429000" cy="1223963"/>
+                      </a:xfrm>
+                      <a:prstGeom prst="rect">
+                        <a:avLst/>
+                      </a:prstGeom>
+                      <a:noFill/>
+                      <a:extLst>
+                        <a:ext uri="{909E8E84-426E-40dd-AFC4-6F175D3DCCD1}">
+                          <a14:hiddenFill xmlns:a14="http://schemas.microsoft.com/office/drawing/2010/main">
+                            <a:solidFill>
+                              <a:srgbClr val="FFFFFF"/>
+                            </a:solidFill>
+                          </a14:hiddenFill>
+                        </a:ext>
+                      </a:extLst>
+                    </p:spPr>
+                  </p:pic>
+                </p:oleObj>
+              </mc:Fallback>
+            </mc:AlternateContent>
+          </a:graphicData>
+        </a:graphic>
+      </p:graphicFrame>
+      <p:sp>
+        <p:nvSpPr>
+          <p:cNvPr id="5" name="Rectangle 11"/>
+          <p:cNvSpPr>
+            <a:spLocks noGrp="1" noChangeArrowheads="1"/>
+          </p:cNvSpPr>
+          <p:nvPr>
+            <p:ph type="sldNum" sz="quarter" idx="10"/>
+          </p:nvPr>
+        </p:nvSpPr>
+        <p:spPr/>
+        <p:txBody>
+          <a:bodyPr/>
+          <a:lstStyle>
+            <a:lvl1pPr>
+              <a:defRPr/>
+            </a:lvl1pPr>
+          </a:lstStyle>
+          <a:p>
+            <a:pPr>
+              <a:defRPr/>
+            </a:pPr>
+            <a:r>
+              <a:rPr lang="en-US" dirty="0" err="1" smtClean="0"/>
+              <a:t>lec</a:t>
+            </a:r>
+            <a:r>
+              <a:rPr lang="en-US" dirty="0" smtClean="0"/>
+              <a:t> 7M.</a:t>
+            </a:r>
+            <a:fld id="{0DDF95B9-153B-49A1-A27F-80A6A108AF08}" type="slidenum">
+              <a:rPr lang="en-US" smtClean="0"/>
+              <a:pPr>
+                <a:defRPr/>
+              </a:pPr>
+              <a:t>12</a:t>
+            </a:fld>
+            <a:endParaRPr lang="en-US" dirty="0"/>
+          </a:p>
+        </p:txBody>
+      </p:sp>
+      <p:sp>
+        <p:nvSpPr>
+          <p:cNvPr id="7" name="Rectangle 2"/>
+          <p:cNvSpPr>
+            <a:spLocks noGrp="1" noChangeArrowheads="1"/>
+          </p:cNvSpPr>
+          <p:nvPr>
+            <p:ph type="title"/>
+          </p:nvPr>
+        </p:nvSpPr>
+        <p:spPr>
+          <a:xfrm>
+            <a:off x="1447800" y="0"/>
+            <a:ext cx="7543800" cy="1143000"/>
+          </a:xfrm>
+          <a:noFill/>
+        </p:spPr>
+        <p:txBody>
+          <a:bodyPr/>
+          <a:lstStyle/>
+          <a:p>
+            <a:r>
+              <a:rPr lang="en-US" sz="3600" dirty="0" smtClean="0"/>
+              <a:t>Proof of Hall’s Theorem</a:t>
+            </a:r>
+          </a:p>
+        </p:txBody>
+      </p:sp>
+    </p:spTree>
+    <p:extLst>
+      <p:ext uri="{BB962C8B-B14F-4D97-AF65-F5344CB8AC3E}">
+        <p14:creationId xmlns:p14="http://schemas.microsoft.com/office/powerpoint/2010/main" val="1821186380"/>
+      </p:ext>
+    </p:extLst>
+  </p:cSld>
+  <p:clrMapOvr>
+    <a:masterClrMapping/>
+  </p:clrMapOvr>
+  <p:transition xmlns:p14="http://schemas.microsoft.com/office/powerpoint/2010/main">
+    <p:fade/>
+  </p:transition>
+  <p:timing>
+    <p:tnLst>
+      <p:par>
+        <p:cTn xmlns:p14="http://schemas.microsoft.com/office/powerpoint/2010/main" id="1" dur="indefinite" restart="never" nodeType="tmRoot"/>
+      </p:par>
+    </p:tnLst>
+  </p:timing>
+</p:sld>
+</file>
+
+<file path=ppt/slides/slide13.xml><?xml version="1.0" encoding="utf-8"?>
+<p:sld xmlns:a="http://schemas.openxmlformats.org/drawingml/2006/main" xmlns:r="http://schemas.openxmlformats.org/officeDocument/2006/relationships" xmlns:p="http://schemas.openxmlformats.org/presentationml/2006/main">
+  <p:cSld>
+    <p:spTree>
+      <p:nvGrpSpPr>
+        <p:cNvPr id="1" name=""/>
+        <p:cNvGrpSpPr/>
+        <p:nvPr/>
+      </p:nvGrpSpPr>
+      <p:grpSpPr>
+        <a:xfrm>
+          <a:off x="0" y="0"/>
+          <a:ext cx="0" cy="0"/>
+          <a:chOff x="0" y="0"/>
+          <a:chExt cx="0" cy="0"/>
+        </a:xfrm>
+      </p:grpSpPr>
+      <p:sp>
+        <p:nvSpPr>
           <p:cNvPr id="283651" name="Text Box 3"/>
           <p:cNvSpPr txBox="1">
             <a:spLocks noChangeArrowheads="1"/>
@@ -4531,7 +5086,7 @@
         <p:spPr bwMode="auto">
           <a:xfrm>
             <a:off x="366713" y="1127125"/>
-            <a:ext cx="8382000" cy="5207579"/>
+            <a:ext cx="8382000" cy="4321183"/>
           </a:xfrm>
           <a:prstGeom prst="rect">
             <a:avLst/>
@@ -4616,7 +5171,13 @@
               <a:rPr lang="en-US" sz="4800" dirty="0">
                 <a:latin typeface="Comic Sans MS" pitchFamily="8" charset="0"/>
               </a:rPr>
-              <a:t>)| always.</a:t>
+              <a:t>)</a:t>
+            </a:r>
+            <a:r>
+              <a:rPr lang="en-US" sz="4800" dirty="0" smtClean="0">
+                <a:latin typeface="Comic Sans MS" pitchFamily="8" charset="0"/>
+              </a:rPr>
+              <a:t>| for all</a:t>
             </a:r>
           </a:p>
           <a:p>
@@ -4624,10 +5185,37 @@
               <a:buNone/>
             </a:pPr>
             <a:r>
-              <a:rPr lang="en-US" sz="4800" dirty="0">
-                <a:latin typeface="Comic Sans MS" pitchFamily="8" charset="0"/>
-              </a:rPr>
-              <a:t>match 1st girl with a boy.</a:t>
+              <a:rPr lang="en-US" sz="4800" dirty="0" smtClean="0">
+                <a:solidFill>
+                  <a:srgbClr val="000000"/>
+                </a:solidFill>
+                <a:latin typeface="Comic Sans MS" pitchFamily="8" charset="0"/>
+              </a:rPr>
+              <a:t>nonempty proper subsets</a:t>
+            </a:r>
+            <a:r>
+              <a:rPr lang="en-US" sz="4800" dirty="0" smtClean="0">
+                <a:solidFill>
+                  <a:srgbClr val="008000"/>
+                </a:solidFill>
+                <a:latin typeface="Comic Sans MS" pitchFamily="8" charset="0"/>
+              </a:rPr>
+              <a:t> </a:t>
+            </a:r>
+            <a:r>
+              <a:rPr lang="en-US" sz="4800" dirty="0" smtClean="0">
+                <a:solidFill>
+                  <a:srgbClr val="0000FF"/>
+                </a:solidFill>
+                <a:latin typeface="Comic Sans MS" pitchFamily="8" charset="0"/>
+              </a:rPr>
+              <a:t>S</a:t>
+            </a:r>
+            <a:r>
+              <a:rPr lang="en-US" sz="4800" dirty="0" smtClean="0">
+                <a:latin typeface="Comic Sans MS" pitchFamily="8" charset="0"/>
+              </a:rPr>
+              <a:t>.</a:t>
             </a:r>
           </a:p>
           <a:p>
@@ -4635,10 +5223,34 @@
               <a:buNone/>
             </a:pPr>
             <a:r>
-              <a:rPr lang="en-US" sz="4800" dirty="0">
-                <a:latin typeface="Comic Sans MS" pitchFamily="8" charset="0"/>
-              </a:rPr>
-              <a:t>remaining girls &amp; boys won’t have any bottlenecks, so</a:t>
+              <a:rPr lang="en-US" sz="4800" dirty="0" smtClean="0">
+                <a:latin typeface="Comic Sans MS" pitchFamily="8" charset="0"/>
+              </a:rPr>
+              <a:t>Pick a girl, </a:t>
+            </a:r>
+            <a:r>
+              <a:rPr lang="en-US" sz="4800" dirty="0" smtClean="0">
+                <a:solidFill>
+                  <a:srgbClr val="0033CC"/>
+                </a:solidFill>
+                <a:latin typeface="Comic Sans MS" pitchFamily="8" charset="0"/>
+              </a:rPr>
+              <a:t>g</a:t>
+            </a:r>
+            <a:r>
+              <a:rPr lang="en-US" sz="4800" dirty="0" smtClean="0">
+                <a:latin typeface="Comic Sans MS" pitchFamily="8" charset="0"/>
+              </a:rPr>
+              <a:t>.  She must be compatible with some boy, </a:t>
+            </a:r>
+            <a:r>
+              <a:rPr lang="en-US" sz="4800" dirty="0" smtClean="0">
+                <a:solidFill>
+                  <a:srgbClr val="0033CC"/>
+                </a:solidFill>
+                <a:latin typeface="Comic Sans MS" pitchFamily="8" charset="0"/>
+              </a:rPr>
+              <a:t>b</a:t>
             </a:r>
           </a:p>
           <a:p>
@@ -4646,25 +5258,14 @@
               <a:buNone/>
             </a:pPr>
             <a:r>
-              <a:rPr lang="en-US" sz="4800" dirty="0">
-                <a:latin typeface="Comic Sans MS" pitchFamily="8" charset="0"/>
-              </a:rPr>
-              <a:t>by induction can match them</a:t>
-            </a:r>
-          </a:p>
-          <a:p>
-            <a:pPr algn="ctr">
-              <a:buNone/>
-            </a:pPr>
-            <a:r>
-              <a:rPr lang="en-US" sz="4800" dirty="0">
-                <a:solidFill>
-                  <a:srgbClr val="008000"/>
-                </a:solidFill>
-                <a:latin typeface="Comic Sans MS" pitchFamily="8" charset="0"/>
-              </a:rPr>
-              <a:t>QED </a:t>
-            </a:r>
+              <a:rPr lang="en-US" sz="4800" dirty="0" smtClean="0">
+                <a:latin typeface="Comic Sans MS" pitchFamily="8" charset="0"/>
+              </a:rPr>
+              <a:t>(in fact, at least 2 boys).</a:t>
+            </a:r>
+            <a:endParaRPr lang="en-US" sz="4800" dirty="0">
+              <a:latin typeface="Comic Sans MS" pitchFamily="8" charset="0"/>
+            </a:endParaRPr>
           </a:p>
         </p:txBody>
       </p:sp>
@@ -4731,7 +5332,7 @@
               <a:pPr>
                 <a:defRPr/>
               </a:pPr>
-              <a:t>12</a:t>
+              <a:t>13</a:t>
             </a:fld>
             <a:endParaRPr lang="en-US" dirty="0"/>
           </a:p>
@@ -4747,9 +5348,768 @@
   <p:clrMapOvr>
     <a:masterClrMapping/>
   </p:clrMapOvr>
+  <p:transition xmlns:p14="http://schemas.microsoft.com/office/powerpoint/2010/main" spd="slow">
+    <p:fade thruBlk="1"/>
+  </p:transition>
+  <p:timing>
+    <p:tnLst>
+      <p:par>
+        <p:cTn xmlns:p14="http://schemas.microsoft.com/office/powerpoint/2010/main" id="1" dur="indefinite" restart="never" nodeType="tmRoot"/>
+      </p:par>
+    </p:tnLst>
+  </p:timing>
+</p:sld>
+</file>
+
+<file path=ppt/slides/slide14.xml><?xml version="1.0" encoding="utf-8"?>
+<p:sld xmlns:a="http://schemas.openxmlformats.org/drawingml/2006/main" xmlns:r="http://schemas.openxmlformats.org/officeDocument/2006/relationships" xmlns:p="http://schemas.openxmlformats.org/presentationml/2006/main">
+  <p:cSld>
+    <p:spTree>
+      <p:nvGrpSpPr>
+        <p:cNvPr id="1" name=""/>
+        <p:cNvGrpSpPr/>
+        <p:nvPr/>
+      </p:nvGrpSpPr>
+      <p:grpSpPr>
+        <a:xfrm>
+          <a:off x="0" y="0"/>
+          <a:ext cx="0" cy="0"/>
+          <a:chOff x="0" y="0"/>
+          <a:chExt cx="0" cy="0"/>
+        </a:xfrm>
+      </p:grpSpPr>
+      <p:sp>
+        <p:nvSpPr>
+          <p:cNvPr id="283651" name="Text Box 3"/>
+          <p:cNvSpPr txBox="1">
+            <a:spLocks noChangeArrowheads="1"/>
+          </p:cNvSpPr>
+          <p:nvPr/>
+        </p:nvSpPr>
+        <p:spPr bwMode="auto">
+          <a:xfrm>
+            <a:off x="366713" y="1127125"/>
+            <a:ext cx="8382000" cy="4431983"/>
+          </a:xfrm>
+          <a:prstGeom prst="rect">
+            <a:avLst/>
+          </a:prstGeom>
+          <a:noFill/>
+          <a:ln w="38100">
+            <a:noFill/>
+            <a:miter lim="800000"/>
+            <a:headEnd/>
+            <a:tailEnd type="none" w="lg" len="lg"/>
+          </a:ln>
+        </p:spPr>
+        <p:txBody>
+          <a:bodyPr>
+            <a:spAutoFit/>
+          </a:bodyPr>
+          <a:lstStyle/>
+          <a:p>
+            <a:pPr>
+              <a:buNone/>
+            </a:pPr>
+            <a:r>
+              <a:rPr lang="en-US" sz="4800" dirty="0">
+                <a:latin typeface="Comic Sans MS" pitchFamily="8" charset="0"/>
+              </a:rPr>
+              <a:t>Case 2: |</a:t>
+            </a:r>
+            <a:r>
+              <a:rPr lang="en-US" sz="4800" dirty="0">
+                <a:solidFill>
+                  <a:srgbClr val="0033CC"/>
+                </a:solidFill>
+                <a:latin typeface="Comic Sans MS" pitchFamily="8" charset="0"/>
+              </a:rPr>
+              <a:t>S</a:t>
+            </a:r>
+            <a:r>
+              <a:rPr lang="en-US" sz="4800" dirty="0" smtClean="0">
+                <a:latin typeface="Comic Sans MS" pitchFamily="8" charset="0"/>
+              </a:rPr>
+              <a:t>|</a:t>
+            </a:r>
+            <a:r>
+              <a:rPr lang="en-US" sz="5400" b="1" dirty="0" smtClean="0">
+                <a:solidFill>
+                  <a:srgbClr val="008000"/>
+                </a:solidFill>
+                <a:latin typeface="Euclid Symbol" charset="2"/>
+                <a:cs typeface="Euclid Symbol" charset="2"/>
+                <a:sym typeface="Euclid Symbol" pitchFamily="18" charset="2"/>
+              </a:rPr>
+              <a:t>&lt;</a:t>
+            </a:r>
+            <a:r>
+              <a:rPr lang="en-US" sz="4800" dirty="0" smtClean="0">
+                <a:latin typeface="Comic Sans MS" pitchFamily="8" charset="0"/>
+              </a:rPr>
+              <a:t>|</a:t>
+            </a:r>
+            <a:r>
+              <a:rPr lang="en-US" sz="4800" dirty="0">
+                <a:latin typeface="Comic Sans MS" pitchFamily="8" charset="0"/>
+              </a:rPr>
+              <a:t>E</a:t>
+            </a:r>
+            <a:r>
+              <a:rPr lang="en-US" sz="4800" dirty="0" smtClean="0">
+                <a:latin typeface="Comic Sans MS" pitchFamily="8" charset="0"/>
+              </a:rPr>
+              <a:t>(</a:t>
+            </a:r>
+            <a:r>
+              <a:rPr lang="en-US" sz="4800" dirty="0">
+                <a:solidFill>
+                  <a:srgbClr val="0033CC"/>
+                </a:solidFill>
+                <a:latin typeface="Comic Sans MS" pitchFamily="8" charset="0"/>
+              </a:rPr>
+              <a:t>S</a:t>
+            </a:r>
+            <a:r>
+              <a:rPr lang="en-US" sz="4800" dirty="0">
+                <a:latin typeface="Comic Sans MS" pitchFamily="8" charset="0"/>
+              </a:rPr>
+              <a:t>)</a:t>
+            </a:r>
+            <a:r>
+              <a:rPr lang="en-US" sz="4800" dirty="0" smtClean="0">
+                <a:latin typeface="Comic Sans MS" pitchFamily="8" charset="0"/>
+              </a:rPr>
+              <a:t>| for all</a:t>
+            </a:r>
+          </a:p>
+          <a:p>
+            <a:pPr>
+              <a:buNone/>
+            </a:pPr>
+            <a:r>
+              <a:rPr lang="en-US" sz="4800" dirty="0" smtClean="0">
+                <a:solidFill>
+                  <a:srgbClr val="000000"/>
+                </a:solidFill>
+                <a:latin typeface="Comic Sans MS" pitchFamily="8" charset="0"/>
+              </a:rPr>
+              <a:t>nonempty proper subsets</a:t>
+            </a:r>
+            <a:r>
+              <a:rPr lang="en-US" sz="4800" dirty="0" smtClean="0">
+                <a:solidFill>
+                  <a:srgbClr val="008000"/>
+                </a:solidFill>
+                <a:latin typeface="Comic Sans MS" pitchFamily="8" charset="0"/>
+              </a:rPr>
+              <a:t> </a:t>
+            </a:r>
+            <a:r>
+              <a:rPr lang="en-US" sz="4800" dirty="0" smtClean="0">
+                <a:solidFill>
+                  <a:srgbClr val="0000FF"/>
+                </a:solidFill>
+                <a:latin typeface="Comic Sans MS" pitchFamily="8" charset="0"/>
+              </a:rPr>
+              <a:t>S</a:t>
+            </a:r>
+            <a:r>
+              <a:rPr lang="en-US" sz="4800" dirty="0" smtClean="0">
+                <a:latin typeface="Comic Sans MS" pitchFamily="8" charset="0"/>
+              </a:rPr>
+              <a:t>.</a:t>
+            </a:r>
+          </a:p>
+          <a:p>
+            <a:pPr>
+              <a:buNone/>
+              <a:tabLst>
+                <a:tab pos="4459288" algn="l"/>
+              </a:tabLst>
+            </a:pPr>
+            <a:r>
+              <a:rPr lang="en-US" sz="4800" dirty="0" smtClean="0">
+                <a:latin typeface="Comic Sans MS" pitchFamily="8" charset="0"/>
+              </a:rPr>
+              <a:t>Match </a:t>
+            </a:r>
+            <a:r>
+              <a:rPr lang="en-US" sz="4800" dirty="0" smtClean="0">
+                <a:solidFill>
+                  <a:srgbClr val="0033CC"/>
+                </a:solidFill>
+                <a:latin typeface="Comic Sans MS" pitchFamily="8" charset="0"/>
+              </a:rPr>
+              <a:t>g</a:t>
+            </a:r>
+            <a:r>
+              <a:rPr lang="en-US" sz="4800" dirty="0" smtClean="0">
+                <a:latin typeface="Comic Sans MS" pitchFamily="8" charset="0"/>
+              </a:rPr>
+              <a:t> with </a:t>
+            </a:r>
+            <a:r>
+              <a:rPr lang="en-US" sz="4800" dirty="0" smtClean="0">
+                <a:solidFill>
+                  <a:srgbClr val="0033CC"/>
+                </a:solidFill>
+                <a:latin typeface="Comic Sans MS" pitchFamily="8" charset="0"/>
+              </a:rPr>
+              <a:t>b</a:t>
+            </a:r>
+            <a:r>
+              <a:rPr lang="en-US" sz="4800" dirty="0" smtClean="0">
+                <a:latin typeface="Comic Sans MS" pitchFamily="8" charset="0"/>
+              </a:rPr>
+              <a:t>.  Removing </a:t>
+            </a:r>
+            <a:r>
+              <a:rPr lang="en-US" sz="4800" dirty="0" smtClean="0">
+                <a:solidFill>
+                  <a:schemeClr val="accent1">
+                    <a:lumMod val="50000"/>
+                  </a:schemeClr>
+                </a:solidFill>
+                <a:latin typeface="Comic Sans MS" pitchFamily="8" charset="0"/>
+              </a:rPr>
+              <a:t>b</a:t>
+            </a:r>
+            <a:r>
+              <a:rPr lang="en-US" sz="4800" dirty="0" smtClean="0">
+                <a:latin typeface="Comic Sans MS" pitchFamily="8" charset="0"/>
+              </a:rPr>
+              <a:t> still leaves |</a:t>
+            </a:r>
+            <a:r>
+              <a:rPr lang="en-US" sz="4800" dirty="0">
+                <a:solidFill>
+                  <a:srgbClr val="0033CC"/>
+                </a:solidFill>
+                <a:latin typeface="Comic Sans MS" pitchFamily="8" charset="0"/>
+              </a:rPr>
+              <a:t>S</a:t>
+            </a:r>
+            <a:r>
+              <a:rPr lang="en-US" sz="4800" dirty="0" smtClean="0">
+                <a:latin typeface="Comic Sans MS" pitchFamily="8" charset="0"/>
+              </a:rPr>
+              <a:t>|</a:t>
+            </a:r>
+            <a:r>
+              <a:rPr lang="en-US" sz="5400" b="1" dirty="0" smtClean="0">
+                <a:solidFill>
+                  <a:srgbClr val="008000"/>
+                </a:solidFill>
+                <a:latin typeface="Euclid Symbol" charset="2"/>
+                <a:cs typeface="Euclid Symbol" charset="2"/>
+                <a:sym typeface="Euclid Symbol" pitchFamily="18" charset="2"/>
+              </a:rPr>
+              <a:t>≤</a:t>
+            </a:r>
+            <a:r>
+              <a:rPr lang="en-US" sz="4800" dirty="0" smtClean="0">
+                <a:latin typeface="Comic Sans MS" pitchFamily="8" charset="0"/>
+              </a:rPr>
+              <a:t>|</a:t>
+            </a:r>
+            <a:r>
+              <a:rPr lang="en-US" sz="4800" dirty="0">
+                <a:latin typeface="Comic Sans MS" pitchFamily="8" charset="0"/>
+              </a:rPr>
+              <a:t>E(</a:t>
+            </a:r>
+            <a:r>
+              <a:rPr lang="en-US" sz="4800" dirty="0">
+                <a:solidFill>
+                  <a:srgbClr val="0033CC"/>
+                </a:solidFill>
+                <a:latin typeface="Comic Sans MS" pitchFamily="8" charset="0"/>
+              </a:rPr>
+              <a:t>S</a:t>
+            </a:r>
+            <a:r>
+              <a:rPr lang="en-US" sz="4800" dirty="0">
+                <a:latin typeface="Comic Sans MS" pitchFamily="8" charset="0"/>
+              </a:rPr>
+              <a:t>)</a:t>
+            </a:r>
+            <a:r>
+              <a:rPr lang="en-US" sz="4800" dirty="0" smtClean="0">
+                <a:latin typeface="Comic Sans MS" pitchFamily="8" charset="0"/>
+              </a:rPr>
+              <a:t>| so no</a:t>
+            </a:r>
+          </a:p>
+          <a:p>
+            <a:pPr>
+              <a:buNone/>
+              <a:tabLst>
+                <a:tab pos="4459288" algn="l"/>
+              </a:tabLst>
+            </a:pPr>
+            <a:r>
+              <a:rPr lang="en-US" sz="4800" dirty="0" smtClean="0">
+                <a:latin typeface="Comic Sans MS" pitchFamily="8" charset="0"/>
+              </a:rPr>
+              <a:t>bottlenecks.</a:t>
+            </a:r>
+            <a:endParaRPr lang="en-US" sz="4800" dirty="0">
+              <a:latin typeface="Comic Sans MS" pitchFamily="8" charset="0"/>
+            </a:endParaRPr>
+          </a:p>
+        </p:txBody>
+      </p:sp>
+      <p:sp>
+        <p:nvSpPr>
+          <p:cNvPr id="55299" name="Rectangle 3"/>
+          <p:cNvSpPr>
+            <a:spLocks noGrp="1" noChangeArrowheads="1"/>
+          </p:cNvSpPr>
+          <p:nvPr>
+            <p:ph type="title"/>
+          </p:nvPr>
+        </p:nvSpPr>
+        <p:spPr>
+          <a:xfrm>
+            <a:off x="2225675" y="0"/>
+            <a:ext cx="4668838" cy="1136650"/>
+          </a:xfrm>
+          <a:noFill/>
+        </p:spPr>
+        <p:txBody>
+          <a:bodyPr/>
+          <a:lstStyle/>
+          <a:p>
+            <a:r>
+              <a:rPr lang="en-US" sz="4400" smtClean="0"/>
+              <a:t>Hall’s Theorem</a:t>
+            </a:r>
+          </a:p>
+        </p:txBody>
+      </p:sp>
+      <p:sp>
+        <p:nvSpPr>
+          <p:cNvPr id="4" name="Rectangle 11"/>
+          <p:cNvSpPr>
+            <a:spLocks noGrp="1" noChangeArrowheads="1"/>
+          </p:cNvSpPr>
+          <p:nvPr>
+            <p:ph type="sldNum" sz="quarter" idx="10"/>
+          </p:nvPr>
+        </p:nvSpPr>
+        <p:spPr/>
+        <p:txBody>
+          <a:bodyPr/>
+          <a:lstStyle>
+            <a:lvl1pPr>
+              <a:defRPr/>
+            </a:lvl1pPr>
+          </a:lstStyle>
+          <a:p>
+            <a:pPr>
+              <a:defRPr/>
+            </a:pPr>
+            <a:r>
+              <a:rPr lang="en-US" dirty="0" err="1" smtClean="0"/>
+              <a:t>lec</a:t>
+            </a:r>
+            <a:r>
+              <a:rPr lang="en-US" dirty="0" smtClean="0"/>
+              <a:t> 7M.</a:t>
+            </a:r>
+            <a:fld id="{B376FF74-F1ED-4A97-A79B-860D4C23FD6A}" type="slidenum">
+              <a:rPr lang="en-US" smtClean="0"/>
+              <a:pPr>
+                <a:defRPr/>
+              </a:pPr>
+              <a:t>14</a:t>
+            </a:fld>
+            <a:endParaRPr lang="en-US" dirty="0"/>
+          </a:p>
+        </p:txBody>
+      </p:sp>
+    </p:spTree>
+    <p:extLst>
+      <p:ext uri="{BB962C8B-B14F-4D97-AF65-F5344CB8AC3E}">
+        <p14:creationId xmlns:p14="http://schemas.microsoft.com/office/powerpoint/2010/main" val="2112349806"/>
+      </p:ext>
+    </p:extLst>
+  </p:cSld>
+  <p:clrMapOvr>
+    <a:masterClrMapping/>
+  </p:clrMapOvr>
   <p:transition xmlns:p14="http://schemas.microsoft.com/office/powerpoint/2010/main">
     <p:fade/>
   </p:transition>
+  <p:timing>
+    <p:tnLst>
+      <p:par>
+        <p:cTn xmlns:p14="http://schemas.microsoft.com/office/powerpoint/2010/main" id="1" dur="indefinite" restart="never" nodeType="tmRoot"/>
+      </p:par>
+    </p:tnLst>
+  </p:timing>
+</p:sld>
+</file>
+
+<file path=ppt/slides/slide15.xml><?xml version="1.0" encoding="utf-8"?>
+<p:sld xmlns:a="http://schemas.openxmlformats.org/drawingml/2006/main" xmlns:r="http://schemas.openxmlformats.org/officeDocument/2006/relationships" xmlns:p="http://schemas.openxmlformats.org/presentationml/2006/main">
+  <p:cSld>
+    <p:spTree>
+      <p:nvGrpSpPr>
+        <p:cNvPr id="1" name=""/>
+        <p:cNvGrpSpPr/>
+        <p:nvPr/>
+      </p:nvGrpSpPr>
+      <p:grpSpPr>
+        <a:xfrm>
+          <a:off x="0" y="0"/>
+          <a:ext cx="0" cy="0"/>
+          <a:chOff x="0" y="0"/>
+          <a:chExt cx="0" cy="0"/>
+        </a:xfrm>
+      </p:grpSpPr>
+      <p:sp>
+        <p:nvSpPr>
+          <p:cNvPr id="283651" name="Text Box 3"/>
+          <p:cNvSpPr txBox="1">
+            <a:spLocks noChangeArrowheads="1"/>
+          </p:cNvSpPr>
+          <p:nvPr/>
+        </p:nvSpPr>
+        <p:spPr bwMode="auto">
+          <a:xfrm>
+            <a:off x="366713" y="1113014"/>
+            <a:ext cx="8382000" cy="5059847"/>
+          </a:xfrm>
+          <a:prstGeom prst="rect">
+            <a:avLst/>
+          </a:prstGeom>
+          <a:noFill/>
+          <a:ln w="38100">
+            <a:noFill/>
+            <a:miter lim="800000"/>
+            <a:headEnd/>
+            <a:tailEnd type="none" w="lg" len="lg"/>
+          </a:ln>
+        </p:spPr>
+        <p:txBody>
+          <a:bodyPr>
+            <a:spAutoFit/>
+          </a:bodyPr>
+          <a:lstStyle/>
+          <a:p>
+            <a:pPr>
+              <a:buNone/>
+            </a:pPr>
+            <a:r>
+              <a:rPr lang="en-US" sz="4800" dirty="0">
+                <a:latin typeface="Comic Sans MS" pitchFamily="8" charset="0"/>
+              </a:rPr>
+              <a:t>Case 2: |</a:t>
+            </a:r>
+            <a:r>
+              <a:rPr lang="en-US" sz="4800" dirty="0">
+                <a:solidFill>
+                  <a:srgbClr val="0033CC"/>
+                </a:solidFill>
+                <a:latin typeface="Comic Sans MS" pitchFamily="8" charset="0"/>
+              </a:rPr>
+              <a:t>S</a:t>
+            </a:r>
+            <a:r>
+              <a:rPr lang="en-US" sz="4800" dirty="0" smtClean="0">
+                <a:latin typeface="Comic Sans MS" pitchFamily="8" charset="0"/>
+              </a:rPr>
+              <a:t>|</a:t>
+            </a:r>
+            <a:r>
+              <a:rPr lang="en-US" sz="5400" b="1" dirty="0" smtClean="0">
+                <a:solidFill>
+                  <a:srgbClr val="008000"/>
+                </a:solidFill>
+                <a:latin typeface="Euclid Symbol" charset="2"/>
+                <a:cs typeface="Euclid Symbol" charset="2"/>
+                <a:sym typeface="Euclid Symbol" pitchFamily="18" charset="2"/>
+              </a:rPr>
+              <a:t>&lt;</a:t>
+            </a:r>
+            <a:r>
+              <a:rPr lang="en-US" sz="4800" dirty="0" smtClean="0">
+                <a:latin typeface="Comic Sans MS" pitchFamily="8" charset="0"/>
+              </a:rPr>
+              <a:t>|</a:t>
+            </a:r>
+            <a:r>
+              <a:rPr lang="en-US" sz="4800" dirty="0">
+                <a:latin typeface="Comic Sans MS" pitchFamily="8" charset="0"/>
+              </a:rPr>
+              <a:t>E</a:t>
+            </a:r>
+            <a:r>
+              <a:rPr lang="en-US" sz="4800" dirty="0" smtClean="0">
+                <a:latin typeface="Comic Sans MS" pitchFamily="8" charset="0"/>
+              </a:rPr>
+              <a:t>(</a:t>
+            </a:r>
+            <a:r>
+              <a:rPr lang="en-US" sz="4800" dirty="0">
+                <a:solidFill>
+                  <a:srgbClr val="0033CC"/>
+                </a:solidFill>
+                <a:latin typeface="Comic Sans MS" pitchFamily="8" charset="0"/>
+              </a:rPr>
+              <a:t>S</a:t>
+            </a:r>
+            <a:r>
+              <a:rPr lang="en-US" sz="4800" dirty="0">
+                <a:latin typeface="Comic Sans MS" pitchFamily="8" charset="0"/>
+              </a:rPr>
+              <a:t>)</a:t>
+            </a:r>
+            <a:r>
+              <a:rPr lang="en-US" sz="4800" dirty="0" smtClean="0">
+                <a:latin typeface="Comic Sans MS" pitchFamily="8" charset="0"/>
+              </a:rPr>
+              <a:t>| for all</a:t>
+            </a:r>
+          </a:p>
+          <a:p>
+            <a:pPr>
+              <a:buNone/>
+            </a:pPr>
+            <a:r>
+              <a:rPr lang="en-US" sz="4800" dirty="0" smtClean="0">
+                <a:solidFill>
+                  <a:srgbClr val="000000"/>
+                </a:solidFill>
+                <a:latin typeface="Comic Sans MS" pitchFamily="8" charset="0"/>
+              </a:rPr>
+              <a:t>nonempty proper subsets</a:t>
+            </a:r>
+            <a:r>
+              <a:rPr lang="en-US" sz="4800" dirty="0" smtClean="0">
+                <a:solidFill>
+                  <a:srgbClr val="008000"/>
+                </a:solidFill>
+                <a:latin typeface="Comic Sans MS" pitchFamily="8" charset="0"/>
+              </a:rPr>
+              <a:t> </a:t>
+            </a:r>
+            <a:r>
+              <a:rPr lang="en-US" sz="4800" dirty="0" smtClean="0">
+                <a:solidFill>
+                  <a:srgbClr val="0000FF"/>
+                </a:solidFill>
+                <a:latin typeface="Comic Sans MS" pitchFamily="8" charset="0"/>
+              </a:rPr>
+              <a:t>S</a:t>
+            </a:r>
+            <a:r>
+              <a:rPr lang="en-US" sz="4800" dirty="0" smtClean="0">
+                <a:latin typeface="Comic Sans MS" pitchFamily="8" charset="0"/>
+              </a:rPr>
+              <a:t>.</a:t>
+            </a:r>
+          </a:p>
+          <a:p>
+            <a:pPr>
+              <a:buNone/>
+              <a:tabLst>
+                <a:tab pos="4459288" algn="l"/>
+              </a:tabLst>
+            </a:pPr>
+            <a:r>
+              <a:rPr lang="en-US" sz="4800" dirty="0" smtClean="0">
+                <a:latin typeface="Comic Sans MS" pitchFamily="8" charset="0"/>
+              </a:rPr>
+              <a:t>By induction, can match remaining girls &amp; </a:t>
+            </a:r>
+            <a:r>
+              <a:rPr lang="en-US" sz="4800" dirty="0" smtClean="0">
+                <a:latin typeface="Comic Sans MS" pitchFamily="8" charset="0"/>
+              </a:rPr>
+              <a:t>boys.  This </a:t>
+            </a:r>
+          </a:p>
+          <a:p>
+            <a:pPr>
+              <a:buNone/>
+              <a:tabLst>
+                <a:tab pos="4459288" algn="l"/>
+              </a:tabLst>
+            </a:pPr>
+            <a:r>
+              <a:rPr lang="en-US" sz="4800" dirty="0" smtClean="0">
+                <a:latin typeface="Comic Sans MS" pitchFamily="8" charset="0"/>
+              </a:rPr>
+              <a:t>match along with </a:t>
+            </a:r>
+            <a:r>
+              <a:rPr lang="en-US" sz="4800" dirty="0">
+                <a:solidFill>
+                  <a:srgbClr val="0000FF"/>
+                </a:solidFill>
+                <a:latin typeface="Comic Sans MS" pitchFamily="8" charset="0"/>
+              </a:rPr>
+              <a:t>g—</a:t>
+            </a:r>
+            <a:r>
+              <a:rPr lang="en-US" sz="4800" dirty="0" smtClean="0">
+                <a:solidFill>
+                  <a:srgbClr val="0000FF"/>
+                </a:solidFill>
+                <a:latin typeface="Comic Sans MS" pitchFamily="8" charset="0"/>
+              </a:rPr>
+              <a:t>b </a:t>
+            </a:r>
+            <a:r>
+              <a:rPr lang="en-US" sz="4800" dirty="0" smtClean="0">
+                <a:latin typeface="Comic Sans MS" pitchFamily="8" charset="0"/>
+              </a:rPr>
+              <a:t>is complete </a:t>
+            </a:r>
+            <a:r>
+              <a:rPr lang="en-US" sz="4800" dirty="0" smtClean="0">
+                <a:latin typeface="Comic Sans MS" pitchFamily="8" charset="0"/>
+              </a:rPr>
+              <a:t>match.</a:t>
+            </a:r>
+            <a:endParaRPr lang="en-US" sz="4800" dirty="0">
+              <a:latin typeface="Comic Sans MS" pitchFamily="8" charset="0"/>
+            </a:endParaRPr>
+          </a:p>
+        </p:txBody>
+      </p:sp>
+      <p:sp>
+        <p:nvSpPr>
+          <p:cNvPr id="55299" name="Rectangle 3"/>
+          <p:cNvSpPr>
+            <a:spLocks noGrp="1" noChangeArrowheads="1"/>
+          </p:cNvSpPr>
+          <p:nvPr>
+            <p:ph type="title"/>
+          </p:nvPr>
+        </p:nvSpPr>
+        <p:spPr>
+          <a:xfrm>
+            <a:off x="2225675" y="0"/>
+            <a:ext cx="4668838" cy="1136650"/>
+          </a:xfrm>
+          <a:noFill/>
+        </p:spPr>
+        <p:txBody>
+          <a:bodyPr/>
+          <a:lstStyle/>
+          <a:p>
+            <a:r>
+              <a:rPr lang="en-US" sz="4400" smtClean="0"/>
+              <a:t>Hall’s Theorem</a:t>
+            </a:r>
+          </a:p>
+        </p:txBody>
+      </p:sp>
+      <p:sp>
+        <p:nvSpPr>
+          <p:cNvPr id="4" name="Rectangle 11"/>
+          <p:cNvSpPr>
+            <a:spLocks noGrp="1" noChangeArrowheads="1"/>
+          </p:cNvSpPr>
+          <p:nvPr>
+            <p:ph type="sldNum" sz="quarter" idx="10"/>
+          </p:nvPr>
+        </p:nvSpPr>
+        <p:spPr/>
+        <p:txBody>
+          <a:bodyPr/>
+          <a:lstStyle>
+            <a:lvl1pPr>
+              <a:defRPr/>
+            </a:lvl1pPr>
+          </a:lstStyle>
+          <a:p>
+            <a:pPr>
+              <a:defRPr/>
+            </a:pPr>
+            <a:r>
+              <a:rPr lang="en-US" dirty="0" err="1" smtClean="0"/>
+              <a:t>lec</a:t>
+            </a:r>
+            <a:r>
+              <a:rPr lang="en-US" dirty="0" smtClean="0"/>
+              <a:t> 7M.</a:t>
+            </a:r>
+            <a:fld id="{B376FF74-F1ED-4A97-A79B-860D4C23FD6A}" type="slidenum">
+              <a:rPr lang="en-US" smtClean="0"/>
+              <a:pPr>
+                <a:defRPr/>
+              </a:pPr>
+              <a:t>15</a:t>
+            </a:fld>
+            <a:endParaRPr lang="en-US" dirty="0"/>
+          </a:p>
+        </p:txBody>
+      </p:sp>
+      <p:sp>
+        <p:nvSpPr>
+          <p:cNvPr id="2" name="TextBox 1"/>
+          <p:cNvSpPr txBox="1"/>
+          <p:nvPr/>
+        </p:nvSpPr>
+        <p:spPr>
+          <a:xfrm>
+            <a:off x="5671136" y="5469721"/>
+            <a:ext cx="1723849" cy="923330"/>
+          </a:xfrm>
+          <a:prstGeom prst="rect">
+            <a:avLst/>
+          </a:prstGeom>
+          <a:noFill/>
+        </p:spPr>
+        <p:txBody>
+          <a:bodyPr wrap="none" rtlCol="0">
+            <a:spAutoFit/>
+          </a:bodyPr>
+          <a:lstStyle/>
+          <a:p>
+            <a:pPr>
+              <a:buNone/>
+            </a:pPr>
+            <a:r>
+              <a:rPr lang="en-US" sz="5400" dirty="0">
+                <a:solidFill>
+                  <a:srgbClr val="008000"/>
+                </a:solidFill>
+                <a:latin typeface="Comic Sans MS" pitchFamily="8" charset="0"/>
+              </a:rPr>
+              <a:t>QED</a:t>
+            </a:r>
+            <a:endParaRPr lang="en-US" sz="5400" dirty="0"/>
+          </a:p>
+        </p:txBody>
+      </p:sp>
+    </p:spTree>
+    <p:extLst>
+      <p:ext uri="{BB962C8B-B14F-4D97-AF65-F5344CB8AC3E}">
+        <p14:creationId xmlns:p14="http://schemas.microsoft.com/office/powerpoint/2010/main" val="1713009229"/>
+      </p:ext>
+    </p:extLst>
+  </p:cSld>
+  <p:clrMapOvr>
+    <a:masterClrMapping/>
+  </p:clrMapOvr>
+  <mc:AlternateContent xmlns:mc="http://schemas.openxmlformats.org/markup-compatibility/2006" xmlns:p14="http://schemas.microsoft.com/office/powerpoint/2010/main">
+    <mc:Choice Requires="p14">
+      <p:transition spd="med" p14:dur="700">
+        <p:fade/>
+      </p:transition>
+    </mc:Choice>
+    <mc:Fallback xmlns="">
+      <p:transition xmlns:p14="http://schemas.microsoft.com/office/powerpoint/2010/main" spd="med">
+        <p:fade/>
+      </p:transition>
+    </mc:Fallback>
+  </mc:AlternateContent>
   <p:timing>
     <p:tnLst>
       <p:par>
@@ -4771,7 +6131,7 @@
                             </p:stCondLst>
                             <p:childTnLst>
                               <p:par>
-                                <p:cTn id="5" presetID="9" presetClass="entr" presetSubtype="0" fill="hold" nodeType="clickEffect">
+                                <p:cTn id="5" presetID="9" presetClass="entr" presetSubtype="0" fill="hold" grpId="0" nodeType="clickEffect">
                                   <p:stCondLst>
                                     <p:cond delay="0"/>
                                   </p:stCondLst>
@@ -4786,7 +6146,7 @@
                                         <p:tgtEl>
                                           <p:spTgt spid="283651">
                                             <p:txEl>
-                                              <p:pRg st="1" end="1"/>
+                                              <p:pRg st="3" end="3"/>
                                             </p:txEl>
                                           </p:spTgt>
                                         </p:tgtEl>
@@ -4804,7 +6164,7 @@
                                         <p:tgtEl>
                                           <p:spTgt spid="283651">
                                             <p:txEl>
-                                              <p:pRg st="1" end="1"/>
+                                              <p:pRg st="3" end="3"/>
                                             </p:txEl>
                                           </p:spTgt>
                                         </p:tgtEl>
@@ -4832,7 +6192,7 @@
                             </p:stCondLst>
                             <p:childTnLst>
                               <p:par>
-                                <p:cTn id="10" presetID="9" presetClass="entr" presetSubtype="0" fill="hold" nodeType="clickEffect">
+                                <p:cTn id="10" presetID="15" presetClass="entr" presetSubtype="0" fill="hold" grpId="0" nodeType="clickEffect">
                                   <p:stCondLst>
                                     <p:cond delay="0"/>
                                   </p:stCondLst>
@@ -4845,133 +6205,7 @@
                                           </p:stCondLst>
                                         </p:cTn>
                                         <p:tgtEl>
-                                          <p:spTgt spid="283651">
-                                            <p:txEl>
-                                              <p:pRg st="2" end="2"/>
-                                            </p:txEl>
-                                          </p:spTgt>
-                                        </p:tgtEl>
-                                        <p:attrNameLst>
-                                          <p:attrName>style.visibility</p:attrName>
-                                        </p:attrNameLst>
-                                      </p:cBhvr>
-                                      <p:to>
-                                        <p:strVal val="visible"/>
-                                      </p:to>
-                                    </p:set>
-                                    <p:animEffect transition="in" filter="dissolve">
-                                      <p:cBhvr>
-                                        <p:cTn id="12" dur="500"/>
-                                        <p:tgtEl>
-                                          <p:spTgt spid="283651">
-                                            <p:txEl>
-                                              <p:pRg st="2" end="2"/>
-                                            </p:txEl>
-                                          </p:spTgt>
-                                        </p:tgtEl>
-                                      </p:cBhvr>
-                                    </p:animEffect>
-                                  </p:childTnLst>
-                                </p:cTn>
-                              </p:par>
-                            </p:childTnLst>
-                          </p:cTn>
-                        </p:par>
-                      </p:childTnLst>
-                    </p:cTn>
-                  </p:par>
-                  <p:par>
-                    <p:cTn id="13" fill="hold">
-                      <p:stCondLst>
-                        <p:cond delay="indefinite"/>
-                      </p:stCondLst>
-                      <p:childTnLst>
-                        <p:par>
-                          <p:cTn id="14" fill="hold">
-                            <p:stCondLst>
-                              <p:cond delay="0"/>
-                            </p:stCondLst>
-                            <p:childTnLst>
-                              <p:par>
-                                <p:cTn id="15" presetID="9" presetClass="entr" presetSubtype="0" fill="hold" nodeType="clickEffect">
-                                  <p:stCondLst>
-                                    <p:cond delay="0"/>
-                                  </p:stCondLst>
-                                  <p:childTnLst>
-                                    <p:set>
-                                      <p:cBhvr>
-                                        <p:cTn id="16" dur="1" fill="hold">
-                                          <p:stCondLst>
-                                            <p:cond delay="0"/>
-                                          </p:stCondLst>
-                                        </p:cTn>
-                                        <p:tgtEl>
-                                          <p:spTgt spid="283651">
-                                            <p:txEl>
-                                              <p:pRg st="3" end="3"/>
-                                            </p:txEl>
-                                          </p:spTgt>
-                                        </p:tgtEl>
-                                        <p:attrNameLst>
-                                          <p:attrName>style.visibility</p:attrName>
-                                        </p:attrNameLst>
-                                      </p:cBhvr>
-                                      <p:to>
-                                        <p:strVal val="visible"/>
-                                      </p:to>
-                                    </p:set>
-                                    <p:animEffect transition="in" filter="dissolve">
-                                      <p:cBhvr>
-                                        <p:cTn id="17" dur="500"/>
-                                        <p:tgtEl>
-                                          <p:spTgt spid="283651">
-                                            <p:txEl>
-                                              <p:pRg st="3" end="3"/>
-                                            </p:txEl>
-                                          </p:spTgt>
-                                        </p:tgtEl>
-                                      </p:cBhvr>
-                                    </p:animEffect>
-                                  </p:childTnLst>
-                                </p:cTn>
-                              </p:par>
-                            </p:childTnLst>
-                          </p:cTn>
-                        </p:par>
-                      </p:childTnLst>
-                    </p:cTn>
-                  </p:par>
-                  <p:par>
-                    <p:cTn id="18" fill="hold">
-                      <p:stCondLst>
-                        <p:cond delay="indefinite"/>
-                      </p:stCondLst>
-                      <p:childTnLst>
-                        <p:par>
-                          <p:cTn id="19" fill="hold">
-                            <p:stCondLst>
-                              <p:cond delay="0"/>
-                            </p:stCondLst>
-                            <p:childTnLst>
-                              <p:par>
-                                <p:cTn id="20" presetID="15" presetClass="entr" presetSubtype="0" fill="hold" nodeType="clickEffect">
-                                  <p:stCondLst>
-                                    <p:cond delay="0"/>
-                                  </p:stCondLst>
-                                  <p:childTnLst>
-                                    <p:set>
-                                      <p:cBhvr>
-                                        <p:cTn id="21" dur="1" fill="hold">
-                                          <p:stCondLst>
-                                            <p:cond delay="0"/>
-                                          </p:stCondLst>
-                                        </p:cTn>
-                                        <p:tgtEl>
-                                          <p:spTgt spid="283651">
-                                            <p:txEl>
-                                              <p:pRg st="4" end="4"/>
-                                            </p:txEl>
-                                          </p:spTgt>
+                                          <p:spTgt spid="2"/>
                                         </p:tgtEl>
                                         <p:attrNameLst>
                                           <p:attrName>style.visibility</p:attrName>
@@ -4983,13 +6217,9 @@
                                     </p:set>
                                     <p:anim calcmode="lin" valueType="num">
                                       <p:cBhvr>
-                                        <p:cTn id="22" dur="1000" fill="hold"/>
+                                        <p:cTn id="12" dur="1000" fill="hold"/>
                                         <p:tgtEl>
-                                          <p:spTgt spid="283651">
-                                            <p:txEl>
-                                              <p:pRg st="4" end="4"/>
-                                            </p:txEl>
-                                          </p:spTgt>
+                                          <p:spTgt spid="2"/>
                                         </p:tgtEl>
                                         <p:attrNameLst>
                                           <p:attrName>ppt_w</p:attrName>
@@ -5010,13 +6240,9 @@
                                     </p:anim>
                                     <p:anim calcmode="lin" valueType="num">
                                       <p:cBhvr>
-                                        <p:cTn id="23" dur="1000" fill="hold"/>
+                                        <p:cTn id="13" dur="1000" fill="hold"/>
                                         <p:tgtEl>
-                                          <p:spTgt spid="283651">
-                                            <p:txEl>
-                                              <p:pRg st="4" end="4"/>
-                                            </p:txEl>
-                                          </p:spTgt>
+                                          <p:spTgt spid="2"/>
                                         </p:tgtEl>
                                         <p:attrNameLst>
                                           <p:attrName>ppt_h</p:attrName>
@@ -5037,13 +6263,9 @@
                                     </p:anim>
                                     <p:anim calcmode="lin" valueType="num">
                                       <p:cBhvr>
-                                        <p:cTn id="24" dur="1000" fill="hold"/>
+                                        <p:cTn id="14" dur="1000" fill="hold"/>
                                         <p:tgtEl>
-                                          <p:spTgt spid="283651">
-                                            <p:txEl>
-                                              <p:pRg st="4" end="4"/>
-                                            </p:txEl>
-                                          </p:spTgt>
+                                          <p:spTgt spid="2"/>
                                         </p:tgtEl>
                                         <p:attrNameLst>
                                           <p:attrName>ppt_x</p:attrName>
@@ -5064,13 +6286,9 @@
                                     </p:anim>
                                     <p:anim calcmode="lin" valueType="num">
                                       <p:cBhvr>
-                                        <p:cTn id="25" dur="1000" fill="hold"/>
+                                        <p:cTn id="15" dur="1000" fill="hold"/>
                                         <p:tgtEl>
-                                          <p:spTgt spid="283651">
-                                            <p:txEl>
-                                              <p:pRg st="4" end="4"/>
-                                            </p:txEl>
-                                          </p:spTgt>
+                                          <p:spTgt spid="2"/>
                                         </p:tgtEl>
                                         <p:attrNameLst>
                                           <p:attrName>ppt_y</p:attrName>
@@ -5119,6 +6337,10 @@
         </p:cTn>
       </p:par>
     </p:tnLst>
+    <p:bldLst>
+      <p:bldP spid="283651" grpId="0" uiExpand="1" build="p"/>
+      <p:bldP spid="2" grpId="0"/>
+    </p:bldLst>
   </p:timing>
 </p:sld>
 </file>
@@ -5202,17 +6424,7 @@
                   </a:schemeClr>
                 </a:solidFill>
               </a:rPr>
-              <a:t>|E(</a:t>
-            </a:r>
-            <a:r>
-              <a:rPr lang="en-US" sz="6000" dirty="0" smtClean="0">
-                <a:solidFill>
-                  <a:schemeClr val="accent1">
-                    <a:lumMod val="50000"/>
-                  </a:schemeClr>
-                </a:solidFill>
-              </a:rPr>
-              <a:t>S)| </a:t>
+              <a:t>|E(S)| </a:t>
             </a:r>
             <a:r>
               <a:rPr lang="en-US" sz="6000" dirty="0" smtClean="0"/>
@@ -5759,7 +6971,7 @@
           <a:graphicData uri="http://schemas.openxmlformats.org/presentationml/2006/ole">
             <mc:AlternateContent xmlns:mc="http://schemas.openxmlformats.org/markup-compatibility/2006">
               <mc:Choice xmlns:v="urn:schemas-microsoft-com:vml" Requires="v">
-                <p:oleObj spid="_x0000_s1081" name="Equation" r:id="rId4" imgW="914400" imgH="198720" progId="">
+                <p:oleObj spid="_x0000_s1099" name="Equation" r:id="rId4" imgW="914400" imgH="198720" progId="">
                   <p:embed/>
                 </p:oleObj>
               </mc:Choice>
@@ -5835,7 +7047,7 @@
           <a:graphicData uri="http://schemas.openxmlformats.org/presentationml/2006/ole">
             <mc:AlternateContent xmlns:mc="http://schemas.openxmlformats.org/markup-compatibility/2006">
               <mc:Choice xmlns:v="urn:schemas-microsoft-com:vml" Requires="v">
-                <p:oleObj spid="_x0000_s1082" name="Equation" r:id="rId6" imgW="914400" imgH="198720" progId="Equation.3">
+                <p:oleObj spid="_x0000_s1100" name="Equation" r:id="rId6" imgW="914400" imgH="198720" progId="Equation.3">
                   <p:embed/>
                 </p:oleObj>
               </mc:Choice>
@@ -6377,7 +7589,7 @@
           <a:graphicData uri="http://schemas.openxmlformats.org/presentationml/2006/ole">
             <mc:AlternateContent xmlns:mc="http://schemas.openxmlformats.org/markup-compatibility/2006">
               <mc:Choice xmlns:v="urn:schemas-microsoft-com:vml" Requires="v">
-                <p:oleObj spid="_x0000_s2111" name="Equation" r:id="rId4" imgW="914400" imgH="198720" progId="">
+                <p:oleObj spid="_x0000_s2129" name="Equation" r:id="rId4" imgW="914400" imgH="198720" progId="">
                   <p:embed/>
                 </p:oleObj>
               </mc:Choice>
@@ -6453,7 +7665,7 @@
           <a:graphicData uri="http://schemas.openxmlformats.org/presentationml/2006/ole">
             <mc:AlternateContent xmlns:mc="http://schemas.openxmlformats.org/markup-compatibility/2006">
               <mc:Choice xmlns:v="urn:schemas-microsoft-com:vml" Requires="v">
-                <p:oleObj spid="_x0000_s2112" name="Equation" r:id="rId6" imgW="914400" imgH="198720" progId="Equation.3">
+                <p:oleObj spid="_x0000_s2130" name="Equation" r:id="rId6" imgW="914400" imgH="198720" progId="Equation.3">
                   <p:embed/>
                 </p:oleObj>
               </mc:Choice>
@@ -7123,7 +8335,7 @@
           <a:graphicData uri="http://schemas.openxmlformats.org/presentationml/2006/ole">
             <mc:AlternateContent xmlns:mc="http://schemas.openxmlformats.org/markup-compatibility/2006">
               <mc:Choice xmlns:v="urn:schemas-microsoft-com:vml" Requires="v">
-                <p:oleObj spid="_x0000_s11295" name="Equation" r:id="rId4" imgW="914400" imgH="198720" progId="">
+                <p:oleObj spid="_x0000_s11313" name="Equation" r:id="rId4" imgW="914400" imgH="198720" progId="">
                   <p:embed/>
                 </p:oleObj>
               </mc:Choice>
@@ -7199,7 +8411,7 @@
           <a:graphicData uri="http://schemas.openxmlformats.org/presentationml/2006/ole">
             <mc:AlternateContent xmlns:mc="http://schemas.openxmlformats.org/markup-compatibility/2006">
               <mc:Choice xmlns:v="urn:schemas-microsoft-com:vml" Requires="v">
-                <p:oleObj spid="_x0000_s11296" name="Equation" r:id="rId6" imgW="914400" imgH="198720" progId="Equation.3">
+                <p:oleObj spid="_x0000_s11314" name="Equation" r:id="rId6" imgW="914400" imgH="198720" progId="Equation.3">
                   <p:embed/>
                 </p:oleObj>
               </mc:Choice>
@@ -8973,7 +10185,7 @@
           <a:graphicData uri="http://schemas.openxmlformats.org/presentationml/2006/ole">
             <mc:AlternateContent xmlns:mc="http://schemas.openxmlformats.org/markup-compatibility/2006">
               <mc:Choice xmlns:v="urn:schemas-microsoft-com:vml" Requires="v">
-                <p:oleObj spid="_x0000_s12306" name="Equation" r:id="rId4" imgW="1270000" imgH="254000" progId="Equation.DSMT4">
+                <p:oleObj spid="_x0000_s12317" name="Equation" r:id="rId4" imgW="1270000" imgH="254000" progId="Equation.DSMT4">
                   <p:embed/>
                 </p:oleObj>
               </mc:Choice>
@@ -10252,7 +11464,7 @@
           <a:graphicData uri="http://schemas.openxmlformats.org/presentationml/2006/ole">
             <mc:AlternateContent xmlns:mc="http://schemas.openxmlformats.org/markup-compatibility/2006">
               <mc:Choice xmlns:v="urn:schemas-microsoft-com:vml" Requires="v">
-                <p:oleObj spid="_x0000_s5213" name="Equation" r:id="rId4" imgW="114120" imgH="177480" progId="Equation.DSMT4">
+                <p:oleObj spid="_x0000_s5252" name="Equation" r:id="rId4" imgW="114120" imgH="177480" progId="Equation.DSMT4">
                   <p:embed/>
                 </p:oleObj>
               </mc:Choice>
@@ -10782,7 +11994,7 @@
             <a:graphicData uri="http://schemas.openxmlformats.org/presentationml/2006/ole">
               <mc:AlternateContent xmlns:mc="http://schemas.openxmlformats.org/markup-compatibility/2006">
                 <mc:Choice xmlns:v="urn:schemas-microsoft-com:vml" Requires="v">
-                  <p:oleObj spid="_x0000_s5214" name="Equation" r:id="rId6" imgW="139680" imgH="215640" progId="Equation.DSMT4">
+                  <p:oleObj spid="_x0000_s5253" name="Equation" r:id="rId6" imgW="139680" imgH="215640" progId="Equation.DSMT4">
                     <p:embed/>
                   </p:oleObj>
                 </mc:Choice>
@@ -10912,7 +12124,7 @@
             <a:graphicData uri="http://schemas.openxmlformats.org/presentationml/2006/ole">
               <mc:AlternateContent xmlns:mc="http://schemas.openxmlformats.org/markup-compatibility/2006">
                 <mc:Choice xmlns:v="urn:schemas-microsoft-com:vml" Requires="v">
-                  <p:oleObj spid="_x0000_s5215" name="Equation" r:id="rId8" imgW="355600" imgH="254000" progId="Equation.DSMT4">
+                  <p:oleObj spid="_x0000_s5254" name="Equation" r:id="rId8" imgW="355600" imgH="254000" progId="Equation.DSMT4">
                     <p:embed/>
                   </p:oleObj>
                 </mc:Choice>
@@ -11228,7 +12440,7 @@
           <a:graphicData uri="http://schemas.openxmlformats.org/presentationml/2006/ole">
             <mc:AlternateContent xmlns:mc="http://schemas.openxmlformats.org/markup-compatibility/2006">
               <mc:Choice xmlns:v="urn:schemas-microsoft-com:vml" Requires="v">
-                <p:oleObj spid="_x0000_s5216" name="Equation" r:id="rId10" imgW="139680" imgH="215640" progId="Equation.DSMT4">
+                <p:oleObj spid="_x0000_s5255" name="Equation" r:id="rId10" imgW="139680" imgH="215640" progId="Equation.DSMT4">
                   <p:embed/>
                 </p:oleObj>
               </mc:Choice>
@@ -11304,7 +12516,7 @@
           <a:graphicData uri="http://schemas.openxmlformats.org/presentationml/2006/ole">
             <mc:AlternateContent xmlns:mc="http://schemas.openxmlformats.org/markup-compatibility/2006">
               <mc:Choice xmlns:v="urn:schemas-microsoft-com:vml" Requires="v">
-                <p:oleObj spid="_x0000_s5217" name="Equation" r:id="rId11" imgW="355600" imgH="254000" progId="Equation.DSMT4">
+                <p:oleObj spid="_x0000_s5256" name="Equation" r:id="rId11" imgW="355600" imgH="254000" progId="Equation.DSMT4">
                   <p:embed/>
                 </p:oleObj>
               </mc:Choice>
@@ -12098,8 +13310,8 @@
         </p:nvSpPr>
         <p:spPr>
           <a:xfrm>
-            <a:off x="347663" y="1539875"/>
-            <a:ext cx="8524875" cy="3798888"/>
+            <a:off x="531106" y="1088323"/>
+            <a:ext cx="8401226" cy="4753681"/>
           </a:xfrm>
         </p:spPr>
         <p:txBody>
@@ -12162,7 +13374,24 @@
             </a:pPr>
             <a:r>
               <a:rPr lang="en-US" sz="6000" dirty="0" smtClean="0"/>
-              <a:t>by induction on # girls</a:t>
+              <a:t>by strong induction</a:t>
+            </a:r>
+          </a:p>
+          <a:p>
+            <a:pPr>
+              <a:lnSpc>
+                <a:spcPct val="90000"/>
+              </a:lnSpc>
+              <a:buFontTx/>
+              <a:buNone/>
+            </a:pPr>
+            <a:r>
+              <a:rPr lang="en-US" sz="6000" dirty="0" smtClean="0"/>
+              <a:t>on </a:t>
+            </a:r>
+            <a:r>
+              <a:rPr lang="en-US" sz="6000" dirty="0" smtClean="0"/>
+              <a:t># girls</a:t>
             </a:r>
           </a:p>
           <a:p>
@@ -12314,6 +13543,49 @@
                                           <p:spTgt spid="277506">
                                             <p:txEl>
                                               <p:pRg st="3" end="3"/>
+                                            </p:txEl>
+                                          </p:spTgt>
+                                        </p:tgtEl>
+                                      </p:cBhvr>
+                                    </p:animEffect>
+                                  </p:childTnLst>
+                                </p:cTn>
+                              </p:par>
+                              <p:par>
+                                <p:cTn id="8" presetID="9" presetClass="entr" presetSubtype="0" fill="hold" nodeType="withEffect">
+                                  <p:stCondLst>
+                                    <p:cond delay="0"/>
+                                  </p:stCondLst>
+                                  <p:childTnLst>
+                                    <p:set>
+                                      <p:cBhvr>
+                                        <p:cTn id="9" dur="1" fill="hold">
+                                          <p:stCondLst>
+                                            <p:cond delay="0"/>
+                                          </p:stCondLst>
+                                        </p:cTn>
+                                        <p:tgtEl>
+                                          <p:spTgt spid="277506">
+                                            <p:txEl>
+                                              <p:pRg st="4" end="4"/>
+                                            </p:txEl>
+                                          </p:spTgt>
+                                        </p:tgtEl>
+                                        <p:attrNameLst>
+                                          <p:attrName>style.visibility</p:attrName>
+                                        </p:attrNameLst>
+                                      </p:cBhvr>
+                                      <p:to>
+                                        <p:strVal val="visible"/>
+                                      </p:to>
+                                    </p:set>
+                                    <p:animEffect transition="in" filter="dissolve">
+                                      <p:cBhvr>
+                                        <p:cTn id="10" dur="500"/>
+                                        <p:tgtEl>
+                                          <p:spTgt spid="277506">
+                                            <p:txEl>
+                                              <p:pRg st="4" end="4"/>
                                             </p:txEl>
                                           </p:spTgt>
                                         </p:tgtEl>
